--- a/PowerShell_Presentation.pptx
+++ b/PowerShell_Presentation.pptx
@@ -6,16 +6,17 @@
   </p:sldMasterIdLst>
   <p:sldIdLst>
     <p:sldId id="256" r:id="rId2"/>
-    <p:sldId id="257" r:id="rId3"/>
-    <p:sldId id="258" r:id="rId4"/>
-    <p:sldId id="259" r:id="rId5"/>
-    <p:sldId id="260" r:id="rId6"/>
-    <p:sldId id="261" r:id="rId7"/>
-    <p:sldId id="262" r:id="rId8"/>
-    <p:sldId id="263" r:id="rId9"/>
-    <p:sldId id="264" r:id="rId10"/>
-    <p:sldId id="265" r:id="rId11"/>
-    <p:sldId id="266" r:id="rId12"/>
+    <p:sldId id="267" r:id="rId3"/>
+    <p:sldId id="257" r:id="rId4"/>
+    <p:sldId id="258" r:id="rId5"/>
+    <p:sldId id="259" r:id="rId6"/>
+    <p:sldId id="260" r:id="rId7"/>
+    <p:sldId id="261" r:id="rId8"/>
+    <p:sldId id="262" r:id="rId9"/>
+    <p:sldId id="263" r:id="rId10"/>
+    <p:sldId id="264" r:id="rId11"/>
+    <p:sldId id="265" r:id="rId12"/>
+    <p:sldId id="266" r:id="rId13"/>
   </p:sldIdLst>
   <p:sldSz cx="12192000" cy="6858000"/>
   <p:notesSz cx="6858000" cy="9144000"/>
@@ -120,6 +121,7 @@
         <p14:section name="Default Section" id="{74FD7115-D2F0-4A6C-905E-60B7EEBAED2A}">
           <p14:sldIdLst>
             <p14:sldId id="256"/>
+            <p14:sldId id="267"/>
             <p14:sldId id="257"/>
             <p14:sldId id="258"/>
             <p14:sldId id="259"/>
@@ -133,6 +135,9 @@
           </p14:sldIdLst>
         </p14:section>
       </p14:sectionLst>
+    </p:ext>
+    <p:ext uri="{EFAFB233-063F-42B5-8137-9DF3F51BA10A}">
+      <p15:sldGuideLst xmlns:p15="http://schemas.microsoft.com/office/powerpoint/2012/main"/>
     </p:ext>
   </p:extLst>
 </p:presentation>
@@ -5719,7 +5724,7 @@
 <dgm:dataModel xmlns:dgm="http://schemas.openxmlformats.org/drawingml/2006/diagram" xmlns:a="http://schemas.openxmlformats.org/drawingml/2006/main">
   <dgm:ptLst>
     <dgm:pt modelId="{23461458-99AC-43F7-8BDA-64D0917CFC0A}" type="doc">
-      <dgm:prSet loTypeId="urn:microsoft.com/office/officeart/2008/layout/LinedList" loCatId="list" qsTypeId="urn:microsoft.com/office/officeart/2005/8/quickstyle/simple1" qsCatId="simple" csTypeId="urn:microsoft.com/office/officeart/2005/8/colors/colorful1" csCatId="colorful"/>
+      <dgm:prSet loTypeId="urn:microsoft.com/office/officeart/2008/layout/LinedList" loCatId="list" qsTypeId="urn:microsoft.com/office/officeart/2005/8/quickstyle/simple1" qsCatId="simple" csTypeId="urn:microsoft.com/office/officeart/2005/8/colors/colorful1" csCatId="colorful" phldr="1"/>
       <dgm:spPr/>
       <dgm:t>
         <a:bodyPr/>
@@ -5729,7 +5734,7 @@
         </a:p>
       </dgm:t>
     </dgm:pt>
-    <dgm:pt modelId="{2195931D-FFF7-478B-96D5-D45641281097}">
+    <dgm:pt modelId="{9619656D-674C-4A8F-8DC5-00F5579EF550}">
       <dgm:prSet custT="1"/>
       <dgm:spPr/>
       <dgm:t>
@@ -5737,13 +5742,13 @@
         <a:lstStyle/>
         <a:p>
           <a:r>
-            <a:rPr lang="en-US" sz="2800" dirty="0"/>
+            <a:rPr lang="en-US" sz="2800" b="0" dirty="0"/>
             <a:t>Execution policies</a:t>
           </a:r>
         </a:p>
       </dgm:t>
     </dgm:pt>
-    <dgm:pt modelId="{2D17756A-538A-4D12-AC79-7A59D729B2F8}" type="parTrans" cxnId="{D1991BF3-2DF7-43C9-BEFF-866701CA2DFF}">
+    <dgm:pt modelId="{DA5256BB-B0DC-4563-851A-7C62897564A2}" type="parTrans" cxnId="{2C8EEF69-598A-48B9-BEF8-A367C7F78A32}">
       <dgm:prSet/>
       <dgm:spPr/>
       <dgm:t>
@@ -5754,7 +5759,7 @@
         </a:p>
       </dgm:t>
     </dgm:pt>
-    <dgm:pt modelId="{DD0FAF99-AD66-4BDF-8C6A-7096703E1F37}" type="sibTrans" cxnId="{D1991BF3-2DF7-43C9-BEFF-866701CA2DFF}">
+    <dgm:pt modelId="{13C486CE-9240-4C03-9016-8A279D16A281}" type="sibTrans" cxnId="{2C8EEF69-598A-48B9-BEF8-A367C7F78A32}">
       <dgm:prSet/>
       <dgm:spPr/>
       <dgm:t>
@@ -5765,7 +5770,7 @@
         </a:p>
       </dgm:t>
     </dgm:pt>
-    <dgm:pt modelId="{A0D8D24C-A902-4E64-80D4-D8E12ACBF5D4}">
+    <dgm:pt modelId="{FDF82255-BE29-4126-99C9-09B6DEC5775B}">
       <dgm:prSet custT="1"/>
       <dgm:spPr/>
       <dgm:t>
@@ -5773,13 +5778,13 @@
         <a:lstStyle/>
         <a:p>
           <a:r>
-            <a:rPr lang="en-US" sz="2800"/>
-            <a:t>PS interactions with Azure resources</a:t>
+            <a:rPr lang="en-US" sz="2800" b="0" dirty="0"/>
+            <a:t>Azure resource interactions</a:t>
           </a:r>
         </a:p>
       </dgm:t>
     </dgm:pt>
-    <dgm:pt modelId="{0AB276DF-EC62-474E-9B83-2CAEEA853261}" type="parTrans" cxnId="{7A2EDB6A-1875-461F-A0AA-BDCD38A03932}">
+    <dgm:pt modelId="{BB8256F8-8B0B-4D74-993C-93BB0D50AF9E}" type="parTrans" cxnId="{0664338E-A472-45C4-80FA-F410327D42D6}">
       <dgm:prSet/>
       <dgm:spPr/>
       <dgm:t>
@@ -5790,7 +5795,7 @@
         </a:p>
       </dgm:t>
     </dgm:pt>
-    <dgm:pt modelId="{709E5399-7DE5-426B-8D87-6D31FA128B59}" type="sibTrans" cxnId="{7A2EDB6A-1875-461F-A0AA-BDCD38A03932}">
+    <dgm:pt modelId="{D055D965-F76E-4A14-8BD0-86C324FE0DAD}" type="sibTrans" cxnId="{0664338E-A472-45C4-80FA-F410327D42D6}">
       <dgm:prSet/>
       <dgm:spPr/>
       <dgm:t>
@@ -5801,7 +5806,7 @@
         </a:p>
       </dgm:t>
     </dgm:pt>
-    <dgm:pt modelId="{6D414058-1F03-4B8A-A2E2-C8918EC57BAD}">
+    <dgm:pt modelId="{5468BCF8-7282-4CB1-8C21-7D72967F7E34}">
       <dgm:prSet custT="1"/>
       <dgm:spPr/>
       <dgm:t>
@@ -5809,13 +5814,13 @@
         <a:lstStyle/>
         <a:p>
           <a:r>
-            <a:rPr lang="en-US" sz="2800"/>
-            <a:t>Administration of PCs, users, etc.</a:t>
+            <a:rPr lang="en-US" sz="2800" b="0" dirty="0"/>
+            <a:t>PC user and administrative management</a:t>
           </a:r>
         </a:p>
       </dgm:t>
     </dgm:pt>
-    <dgm:pt modelId="{988D6875-DB0A-46FF-B3AE-A9109DEBDB81}" type="parTrans" cxnId="{9EA5D241-5351-41C9-93E9-0204E7246B25}">
+    <dgm:pt modelId="{991A7379-05EA-4AC0-9C04-29D464346209}" type="parTrans" cxnId="{F27ACFBC-5D01-4E0F-AD0E-92E378061EA5}">
       <dgm:prSet/>
       <dgm:spPr/>
       <dgm:t>
@@ -5826,7 +5831,127 @@
         </a:p>
       </dgm:t>
     </dgm:pt>
-    <dgm:pt modelId="{6BA69A4C-55C9-4C80-BAA8-5070DF786F23}" type="sibTrans" cxnId="{9EA5D241-5351-41C9-93E9-0204E7246B25}">
+    <dgm:pt modelId="{B0EEF557-52E2-479D-B4C1-093A618468A5}" type="sibTrans" cxnId="{F27ACFBC-5D01-4E0F-AD0E-92E378061EA5}">
+      <dgm:prSet/>
+      <dgm:spPr/>
+      <dgm:t>
+        <a:bodyPr/>
+        <a:lstStyle/>
+        <a:p>
+          <a:endParaRPr lang="en-US"/>
+        </a:p>
+      </dgm:t>
+    </dgm:pt>
+    <dgm:pt modelId="{F1634583-8977-489B-B0D6-94085F73A21C}">
+      <dgm:prSet custT="1"/>
+      <dgm:spPr/>
+      <dgm:t>
+        <a:bodyPr/>
+        <a:lstStyle/>
+        <a:p>
+          <a:r>
+            <a:rPr lang="en-US" sz="2800" b="0" dirty="0"/>
+            <a:t>GUIs and PowerShell</a:t>
+          </a:r>
+        </a:p>
+      </dgm:t>
+    </dgm:pt>
+    <dgm:pt modelId="{389C123E-54A4-4B37-B115-7C5932017525}" type="parTrans" cxnId="{E2764A31-7C90-4521-8352-8D0DC7E755AA}">
+      <dgm:prSet/>
+      <dgm:spPr/>
+      <dgm:t>
+        <a:bodyPr/>
+        <a:lstStyle/>
+        <a:p>
+          <a:endParaRPr lang="en-US"/>
+        </a:p>
+      </dgm:t>
+    </dgm:pt>
+    <dgm:pt modelId="{D0FA314B-44BB-424A-B49B-AFF615C512B5}" type="sibTrans" cxnId="{E2764A31-7C90-4521-8352-8D0DC7E755AA}">
+      <dgm:prSet/>
+      <dgm:spPr/>
+      <dgm:t>
+        <a:bodyPr/>
+        <a:lstStyle/>
+        <a:p>
+          <a:endParaRPr lang="en-US"/>
+        </a:p>
+      </dgm:t>
+    </dgm:pt>
+    <dgm:pt modelId="{455ECE95-BF2F-44B0-AE7C-68768FBCBE86}">
+      <dgm:prSet custT="1"/>
+      <dgm:spPr/>
+      <dgm:t>
+        <a:bodyPr/>
+        <a:lstStyle/>
+        <a:p>
+          <a:r>
+            <a:rPr lang="en-US" sz="2800" b="0" dirty="0" err="1"/>
+            <a:t>PSCustomObject</a:t>
+          </a:r>
+          <a:r>
+            <a:rPr lang="en-US" sz="2800" b="0" dirty="0"/>
+            <a:t> creation</a:t>
+          </a:r>
+        </a:p>
+      </dgm:t>
+    </dgm:pt>
+    <dgm:pt modelId="{9FE14DCA-7970-4995-BB28-8EC5622317F7}" type="parTrans" cxnId="{FFCF81F8-2F79-4AB7-915E-161534E1387E}">
+      <dgm:prSet/>
+      <dgm:spPr/>
+      <dgm:t>
+        <a:bodyPr/>
+        <a:lstStyle/>
+        <a:p>
+          <a:endParaRPr lang="en-US"/>
+        </a:p>
+      </dgm:t>
+    </dgm:pt>
+    <dgm:pt modelId="{9240EF4B-46D8-41C3-A40E-F2111D68EA52}" type="sibTrans" cxnId="{FFCF81F8-2F79-4AB7-915E-161534E1387E}">
+      <dgm:prSet/>
+      <dgm:spPr/>
+      <dgm:t>
+        <a:bodyPr/>
+        <a:lstStyle/>
+        <a:p>
+          <a:endParaRPr lang="en-US"/>
+        </a:p>
+      </dgm:t>
+    </dgm:pt>
+    <dgm:pt modelId="{00C9691F-D60C-407E-84BB-A3041F0ABEC8}">
+      <dgm:prSet custT="1"/>
+      <dgm:spPr/>
+      <dgm:t>
+        <a:bodyPr/>
+        <a:lstStyle/>
+        <a:p>
+          <a:r>
+            <a:rPr lang="en-US" sz="2800" b="0" dirty="0"/>
+            <a:t>Using external DLL dependencies (Add-Type, .NET [</a:t>
+          </a:r>
+          <a:r>
+            <a:rPr lang="en-US" sz="2800" b="0" dirty="0" err="1"/>
+            <a:t>reflection.assembly</a:t>
+          </a:r>
+          <a:r>
+            <a:rPr lang="en-US" sz="2800" b="0" dirty="0"/>
+            <a:t>])</a:t>
+          </a:r>
+        </a:p>
+      </dgm:t>
+    </dgm:pt>
+    <dgm:pt modelId="{1742D8A5-C68A-48B7-A513-87DD12D37589}" type="parTrans" cxnId="{1DE5FBC7-C728-4540-80C7-5A42AEA14641}">
+      <dgm:prSet/>
+      <dgm:spPr/>
+      <dgm:t>
+        <a:bodyPr/>
+        <a:lstStyle/>
+        <a:p>
+          <a:endParaRPr lang="en-US"/>
+        </a:p>
+      </dgm:t>
+    </dgm:pt>
+    <dgm:pt modelId="{7CF1A334-CB42-460A-873B-96C57E19FAF2}" type="sibTrans" cxnId="{1DE5FBC7-C728-4540-80C7-5A42AEA14641}">
       <dgm:prSet/>
       <dgm:spPr/>
       <dgm:t>
@@ -5847,75 +5972,141 @@
       </dgm:prSet>
       <dgm:spPr/>
     </dgm:pt>
-    <dgm:pt modelId="{2EAB1DDC-962F-4CE9-98D6-AD617ED63540}" type="pres">
-      <dgm:prSet presAssocID="{2195931D-FFF7-478B-96D5-D45641281097}" presName="thickLine" presStyleLbl="alignNode1" presStyleIdx="0" presStyleCnt="3"/>
+    <dgm:pt modelId="{0BE42DC5-3D4F-439E-8044-6C07FA537A67}" type="pres">
+      <dgm:prSet presAssocID="{9619656D-674C-4A8F-8DC5-00F5579EF550}" presName="thickLine" presStyleLbl="alignNode1" presStyleIdx="0" presStyleCnt="6"/>
       <dgm:spPr/>
     </dgm:pt>
-    <dgm:pt modelId="{2DBF09E7-EF56-45AF-A5E0-6983DEB4E73A}" type="pres">
-      <dgm:prSet presAssocID="{2195931D-FFF7-478B-96D5-D45641281097}" presName="horz1" presStyleCnt="0"/>
+    <dgm:pt modelId="{9F1A49F0-47BD-4242-99EA-80EA0AC7A8E3}" type="pres">
+      <dgm:prSet presAssocID="{9619656D-674C-4A8F-8DC5-00F5579EF550}" presName="horz1" presStyleCnt="0"/>
       <dgm:spPr/>
     </dgm:pt>
-    <dgm:pt modelId="{414A39AA-C443-4BAF-B04D-4ACA71185E53}" type="pres">
-      <dgm:prSet presAssocID="{2195931D-FFF7-478B-96D5-D45641281097}" presName="tx1" presStyleLbl="revTx" presStyleIdx="0" presStyleCnt="3"/>
+    <dgm:pt modelId="{D38B0712-F08E-427C-B541-E472C84C8366}" type="pres">
+      <dgm:prSet presAssocID="{9619656D-674C-4A8F-8DC5-00F5579EF550}" presName="tx1" presStyleLbl="revTx" presStyleIdx="0" presStyleCnt="6"/>
       <dgm:spPr/>
     </dgm:pt>
-    <dgm:pt modelId="{62F832B8-DDAE-4070-BBB6-333436BCEAF5}" type="pres">
-      <dgm:prSet presAssocID="{2195931D-FFF7-478B-96D5-D45641281097}" presName="vert1" presStyleCnt="0"/>
+    <dgm:pt modelId="{1A54BE22-4030-4930-8BA2-5D6EA2438E88}" type="pres">
+      <dgm:prSet presAssocID="{9619656D-674C-4A8F-8DC5-00F5579EF550}" presName="vert1" presStyleCnt="0"/>
       <dgm:spPr/>
     </dgm:pt>
-    <dgm:pt modelId="{4BAAD081-0400-497E-B235-F34F117F86FC}" type="pres">
-      <dgm:prSet presAssocID="{A0D8D24C-A902-4E64-80D4-D8E12ACBF5D4}" presName="thickLine" presStyleLbl="alignNode1" presStyleIdx="1" presStyleCnt="3"/>
+    <dgm:pt modelId="{A1A3ED05-D6CC-4F91-88A1-AEC567AAE41D}" type="pres">
+      <dgm:prSet presAssocID="{FDF82255-BE29-4126-99C9-09B6DEC5775B}" presName="thickLine" presStyleLbl="alignNode1" presStyleIdx="1" presStyleCnt="6"/>
       <dgm:spPr/>
     </dgm:pt>
-    <dgm:pt modelId="{F01F9EB3-6E81-495C-8D3C-B402294534FE}" type="pres">
-      <dgm:prSet presAssocID="{A0D8D24C-A902-4E64-80D4-D8E12ACBF5D4}" presName="horz1" presStyleCnt="0"/>
+    <dgm:pt modelId="{2B953C6B-D723-4909-A932-1B7A5F9CBD67}" type="pres">
+      <dgm:prSet presAssocID="{FDF82255-BE29-4126-99C9-09B6DEC5775B}" presName="horz1" presStyleCnt="0"/>
       <dgm:spPr/>
     </dgm:pt>
-    <dgm:pt modelId="{6436319A-4D38-4A04-A155-D77876252089}" type="pres">
-      <dgm:prSet presAssocID="{A0D8D24C-A902-4E64-80D4-D8E12ACBF5D4}" presName="tx1" presStyleLbl="revTx" presStyleIdx="1" presStyleCnt="3"/>
+    <dgm:pt modelId="{B430D951-F22F-4660-98BF-46529B088DCF}" type="pres">
+      <dgm:prSet presAssocID="{FDF82255-BE29-4126-99C9-09B6DEC5775B}" presName="tx1" presStyleLbl="revTx" presStyleIdx="1" presStyleCnt="6"/>
       <dgm:spPr/>
     </dgm:pt>
-    <dgm:pt modelId="{A8C6D859-34E8-4B7E-9117-3EE39643ECE8}" type="pres">
-      <dgm:prSet presAssocID="{A0D8D24C-A902-4E64-80D4-D8E12ACBF5D4}" presName="vert1" presStyleCnt="0"/>
+    <dgm:pt modelId="{25FAC9ED-8294-4265-96DA-F0BD8285F6CE}" type="pres">
+      <dgm:prSet presAssocID="{FDF82255-BE29-4126-99C9-09B6DEC5775B}" presName="vert1" presStyleCnt="0"/>
       <dgm:spPr/>
     </dgm:pt>
-    <dgm:pt modelId="{A5554537-C1D9-48F9-BC5C-C82F56D74909}" type="pres">
-      <dgm:prSet presAssocID="{6D414058-1F03-4B8A-A2E2-C8918EC57BAD}" presName="thickLine" presStyleLbl="alignNode1" presStyleIdx="2" presStyleCnt="3"/>
+    <dgm:pt modelId="{9BC1B0C8-2C18-4BE5-82EF-787306E07836}" type="pres">
+      <dgm:prSet presAssocID="{5468BCF8-7282-4CB1-8C21-7D72967F7E34}" presName="thickLine" presStyleLbl="alignNode1" presStyleIdx="2" presStyleCnt="6"/>
       <dgm:spPr/>
     </dgm:pt>
-    <dgm:pt modelId="{C040ED01-BB19-4420-8A03-DBED250B1E03}" type="pres">
-      <dgm:prSet presAssocID="{6D414058-1F03-4B8A-A2E2-C8918EC57BAD}" presName="horz1" presStyleCnt="0"/>
+    <dgm:pt modelId="{83945A9B-1F6A-4A1C-A6B1-50953C99A05B}" type="pres">
+      <dgm:prSet presAssocID="{5468BCF8-7282-4CB1-8C21-7D72967F7E34}" presName="horz1" presStyleCnt="0"/>
       <dgm:spPr/>
     </dgm:pt>
-    <dgm:pt modelId="{E2D78FFD-245F-4DB0-B372-31C7225536B8}" type="pres">
-      <dgm:prSet presAssocID="{6D414058-1F03-4B8A-A2E2-C8918EC57BAD}" presName="tx1" presStyleLbl="revTx" presStyleIdx="2" presStyleCnt="3"/>
+    <dgm:pt modelId="{594DD61D-13B6-4199-9A0D-EE5C6DC11464}" type="pres">
+      <dgm:prSet presAssocID="{5468BCF8-7282-4CB1-8C21-7D72967F7E34}" presName="tx1" presStyleLbl="revTx" presStyleIdx="2" presStyleCnt="6"/>
       <dgm:spPr/>
     </dgm:pt>
-    <dgm:pt modelId="{4804DDA0-C770-4C6E-9D5E-B1528169DB62}" type="pres">
-      <dgm:prSet presAssocID="{6D414058-1F03-4B8A-A2E2-C8918EC57BAD}" presName="vert1" presStyleCnt="0"/>
+    <dgm:pt modelId="{E02DC466-403B-4A14-B900-CE1E9A0E4D41}" type="pres">
+      <dgm:prSet presAssocID="{5468BCF8-7282-4CB1-8C21-7D72967F7E34}" presName="vert1" presStyleCnt="0"/>
+      <dgm:spPr/>
+    </dgm:pt>
+    <dgm:pt modelId="{04C78197-2E58-4991-A1EC-40B78BFEFE78}" type="pres">
+      <dgm:prSet presAssocID="{F1634583-8977-489B-B0D6-94085F73A21C}" presName="thickLine" presStyleLbl="alignNode1" presStyleIdx="3" presStyleCnt="6"/>
+      <dgm:spPr/>
+    </dgm:pt>
+    <dgm:pt modelId="{00FEBC3E-D721-462B-9F52-037E32E26393}" type="pres">
+      <dgm:prSet presAssocID="{F1634583-8977-489B-B0D6-94085F73A21C}" presName="horz1" presStyleCnt="0"/>
+      <dgm:spPr/>
+    </dgm:pt>
+    <dgm:pt modelId="{3EE6812F-E038-4CE3-B29E-79904C215B49}" type="pres">
+      <dgm:prSet presAssocID="{F1634583-8977-489B-B0D6-94085F73A21C}" presName="tx1" presStyleLbl="revTx" presStyleIdx="3" presStyleCnt="6"/>
+      <dgm:spPr/>
+    </dgm:pt>
+    <dgm:pt modelId="{05D3FFA1-BDC4-4D06-8DC4-D026F8CDDB0C}" type="pres">
+      <dgm:prSet presAssocID="{F1634583-8977-489B-B0D6-94085F73A21C}" presName="vert1" presStyleCnt="0"/>
+      <dgm:spPr/>
+    </dgm:pt>
+    <dgm:pt modelId="{170FCC81-48DA-4440-BC79-EE94DE9DAB1E}" type="pres">
+      <dgm:prSet presAssocID="{455ECE95-BF2F-44B0-AE7C-68768FBCBE86}" presName="thickLine" presStyleLbl="alignNode1" presStyleIdx="4" presStyleCnt="6"/>
+      <dgm:spPr/>
+    </dgm:pt>
+    <dgm:pt modelId="{35E591F2-88CD-401A-9F4A-6BBD82F04DEE}" type="pres">
+      <dgm:prSet presAssocID="{455ECE95-BF2F-44B0-AE7C-68768FBCBE86}" presName="horz1" presStyleCnt="0"/>
+      <dgm:spPr/>
+    </dgm:pt>
+    <dgm:pt modelId="{AEA846AB-0C2A-4A17-8BA7-8BB0481AE847}" type="pres">
+      <dgm:prSet presAssocID="{455ECE95-BF2F-44B0-AE7C-68768FBCBE86}" presName="tx1" presStyleLbl="revTx" presStyleIdx="4" presStyleCnt="6"/>
+      <dgm:spPr/>
+    </dgm:pt>
+    <dgm:pt modelId="{8A1C8D98-8946-439E-AEF6-5FCD6E375EF2}" type="pres">
+      <dgm:prSet presAssocID="{455ECE95-BF2F-44B0-AE7C-68768FBCBE86}" presName="vert1" presStyleCnt="0"/>
+      <dgm:spPr/>
+    </dgm:pt>
+    <dgm:pt modelId="{72F9F420-1A6A-4D98-A87C-D82CB0BE31D8}" type="pres">
+      <dgm:prSet presAssocID="{00C9691F-D60C-407E-84BB-A3041F0ABEC8}" presName="thickLine" presStyleLbl="alignNode1" presStyleIdx="5" presStyleCnt="6"/>
+      <dgm:spPr/>
+    </dgm:pt>
+    <dgm:pt modelId="{EDB26C97-F5BB-4F31-829D-E43BC1F822FA}" type="pres">
+      <dgm:prSet presAssocID="{00C9691F-D60C-407E-84BB-A3041F0ABEC8}" presName="horz1" presStyleCnt="0"/>
+      <dgm:spPr/>
+    </dgm:pt>
+    <dgm:pt modelId="{CDEF7C3B-8A97-4559-A404-B1AE8B0675C7}" type="pres">
+      <dgm:prSet presAssocID="{00C9691F-D60C-407E-84BB-A3041F0ABEC8}" presName="tx1" presStyleLbl="revTx" presStyleIdx="5" presStyleCnt="6"/>
+      <dgm:spPr/>
+    </dgm:pt>
+    <dgm:pt modelId="{6A9ADB97-B75A-4283-9025-CD816CAD4D80}" type="pres">
+      <dgm:prSet presAssocID="{00C9691F-D60C-407E-84BB-A3041F0ABEC8}" presName="vert1" presStyleCnt="0"/>
       <dgm:spPr/>
     </dgm:pt>
   </dgm:ptLst>
   <dgm:cxnLst>
-    <dgm:cxn modelId="{ACBD8827-54F2-47C7-9D09-3A9A085151AF}" type="presOf" srcId="{6D414058-1F03-4B8A-A2E2-C8918EC57BAD}" destId="{E2D78FFD-245F-4DB0-B372-31C7225536B8}" srcOrd="0" destOrd="0" presId="urn:microsoft.com/office/officeart/2008/layout/LinedList"/>
-    <dgm:cxn modelId="{9EA5D241-5351-41C9-93E9-0204E7246B25}" srcId="{23461458-99AC-43F7-8BDA-64D0917CFC0A}" destId="{6D414058-1F03-4B8A-A2E2-C8918EC57BAD}" srcOrd="2" destOrd="0" parTransId="{988D6875-DB0A-46FF-B3AE-A9109DEBDB81}" sibTransId="{6BA69A4C-55C9-4C80-BAA8-5070DF786F23}"/>
+    <dgm:cxn modelId="{3A60C611-91F8-467B-9006-45EB1D24EF96}" type="presOf" srcId="{F1634583-8977-489B-B0D6-94085F73A21C}" destId="{3EE6812F-E038-4CE3-B29E-79904C215B49}" srcOrd="0" destOrd="0" presId="urn:microsoft.com/office/officeart/2008/layout/LinedList"/>
+    <dgm:cxn modelId="{E2764A31-7C90-4521-8352-8D0DC7E755AA}" srcId="{23461458-99AC-43F7-8BDA-64D0917CFC0A}" destId="{F1634583-8977-489B-B0D6-94085F73A21C}" srcOrd="3" destOrd="0" parTransId="{389C123E-54A4-4B37-B115-7C5932017525}" sibTransId="{D0FA314B-44BB-424A-B49B-AFF615C512B5}"/>
+    <dgm:cxn modelId="{06E1A15E-652E-4C7D-ACCF-FD4F854246EB}" type="presOf" srcId="{5468BCF8-7282-4CB1-8C21-7D72967F7E34}" destId="{594DD61D-13B6-4199-9A0D-EE5C6DC11464}" srcOrd="0" destOrd="0" presId="urn:microsoft.com/office/officeart/2008/layout/LinedList"/>
     <dgm:cxn modelId="{CED8F963-14EB-4F96-9547-30B7C9F0297B}" type="presOf" srcId="{23461458-99AC-43F7-8BDA-64D0917CFC0A}" destId="{E54BA1B1-4106-4A97-B00D-45858F9B0D53}" srcOrd="0" destOrd="0" presId="urn:microsoft.com/office/officeart/2008/layout/LinedList"/>
-    <dgm:cxn modelId="{7A2EDB6A-1875-461F-A0AA-BDCD38A03932}" srcId="{23461458-99AC-43F7-8BDA-64D0917CFC0A}" destId="{A0D8D24C-A902-4E64-80D4-D8E12ACBF5D4}" srcOrd="1" destOrd="0" parTransId="{0AB276DF-EC62-474E-9B83-2CAEEA853261}" sibTransId="{709E5399-7DE5-426B-8D87-6D31FA128B59}"/>
-    <dgm:cxn modelId="{847D3558-F41A-49EF-B11B-886EAA6809FC}" type="presOf" srcId="{2195931D-FFF7-478B-96D5-D45641281097}" destId="{414A39AA-C443-4BAF-B04D-4ACA71185E53}" srcOrd="0" destOrd="0" presId="urn:microsoft.com/office/officeart/2008/layout/LinedList"/>
-    <dgm:cxn modelId="{50F253AB-9584-42FC-A3EC-0E3391AD6ABF}" type="presOf" srcId="{A0D8D24C-A902-4E64-80D4-D8E12ACBF5D4}" destId="{6436319A-4D38-4A04-A155-D77876252089}" srcOrd="0" destOrd="0" presId="urn:microsoft.com/office/officeart/2008/layout/LinedList"/>
-    <dgm:cxn modelId="{D1991BF3-2DF7-43C9-BEFF-866701CA2DFF}" srcId="{23461458-99AC-43F7-8BDA-64D0917CFC0A}" destId="{2195931D-FFF7-478B-96D5-D45641281097}" srcOrd="0" destOrd="0" parTransId="{2D17756A-538A-4D12-AC79-7A59D729B2F8}" sibTransId="{DD0FAF99-AD66-4BDF-8C6A-7096703E1F37}"/>
-    <dgm:cxn modelId="{1A99EBB0-3556-4CBC-80A9-60951C21F0D8}" type="presParOf" srcId="{E54BA1B1-4106-4A97-B00D-45858F9B0D53}" destId="{2EAB1DDC-962F-4CE9-98D6-AD617ED63540}" srcOrd="0" destOrd="0" presId="urn:microsoft.com/office/officeart/2008/layout/LinedList"/>
-    <dgm:cxn modelId="{E025F4B0-B06B-4A10-B7A7-47F6FF22BA07}" type="presParOf" srcId="{E54BA1B1-4106-4A97-B00D-45858F9B0D53}" destId="{2DBF09E7-EF56-45AF-A5E0-6983DEB4E73A}" srcOrd="1" destOrd="0" presId="urn:microsoft.com/office/officeart/2008/layout/LinedList"/>
-    <dgm:cxn modelId="{C0CEAFA9-2CCA-4A2B-B971-F3C694967594}" type="presParOf" srcId="{2DBF09E7-EF56-45AF-A5E0-6983DEB4E73A}" destId="{414A39AA-C443-4BAF-B04D-4ACA71185E53}" srcOrd="0" destOrd="0" presId="urn:microsoft.com/office/officeart/2008/layout/LinedList"/>
-    <dgm:cxn modelId="{1D62B675-27CF-408E-BB95-47A53C8B9E64}" type="presParOf" srcId="{2DBF09E7-EF56-45AF-A5E0-6983DEB4E73A}" destId="{62F832B8-DDAE-4070-BBB6-333436BCEAF5}" srcOrd="1" destOrd="0" presId="urn:microsoft.com/office/officeart/2008/layout/LinedList"/>
-    <dgm:cxn modelId="{4DC7DFC6-1A5E-454C-8D65-967EFE73041A}" type="presParOf" srcId="{E54BA1B1-4106-4A97-B00D-45858F9B0D53}" destId="{4BAAD081-0400-497E-B235-F34F117F86FC}" srcOrd="2" destOrd="0" presId="urn:microsoft.com/office/officeart/2008/layout/LinedList"/>
-    <dgm:cxn modelId="{322FA971-6681-456B-A54A-6156B21DDC4D}" type="presParOf" srcId="{E54BA1B1-4106-4A97-B00D-45858F9B0D53}" destId="{F01F9EB3-6E81-495C-8D3C-B402294534FE}" srcOrd="3" destOrd="0" presId="urn:microsoft.com/office/officeart/2008/layout/LinedList"/>
-    <dgm:cxn modelId="{E292DA3F-E3E2-4386-9C08-28E845888726}" type="presParOf" srcId="{F01F9EB3-6E81-495C-8D3C-B402294534FE}" destId="{6436319A-4D38-4A04-A155-D77876252089}" srcOrd="0" destOrd="0" presId="urn:microsoft.com/office/officeart/2008/layout/LinedList"/>
-    <dgm:cxn modelId="{CEE7E7C7-6D9E-414F-BF08-E3AF4F4247BC}" type="presParOf" srcId="{F01F9EB3-6E81-495C-8D3C-B402294534FE}" destId="{A8C6D859-34E8-4B7E-9117-3EE39643ECE8}" srcOrd="1" destOrd="0" presId="urn:microsoft.com/office/officeart/2008/layout/LinedList"/>
-    <dgm:cxn modelId="{3880423A-3615-4D9C-A9EF-C918A3D476F5}" type="presParOf" srcId="{E54BA1B1-4106-4A97-B00D-45858F9B0D53}" destId="{A5554537-C1D9-48F9-BC5C-C82F56D74909}" srcOrd="4" destOrd="0" presId="urn:microsoft.com/office/officeart/2008/layout/LinedList"/>
-    <dgm:cxn modelId="{C8A8BA4B-A465-46B1-86E3-8954A1C64194}" type="presParOf" srcId="{E54BA1B1-4106-4A97-B00D-45858F9B0D53}" destId="{C040ED01-BB19-4420-8A03-DBED250B1E03}" srcOrd="5" destOrd="0" presId="urn:microsoft.com/office/officeart/2008/layout/LinedList"/>
-    <dgm:cxn modelId="{C6C7D860-C619-4A1C-90C8-99E181F1955B}" type="presParOf" srcId="{C040ED01-BB19-4420-8A03-DBED250B1E03}" destId="{E2D78FFD-245F-4DB0-B372-31C7225536B8}" srcOrd="0" destOrd="0" presId="urn:microsoft.com/office/officeart/2008/layout/LinedList"/>
-    <dgm:cxn modelId="{BE6D02A3-8676-4569-B2C6-21F9EEA88E83}" type="presParOf" srcId="{C040ED01-BB19-4420-8A03-DBED250B1E03}" destId="{4804DDA0-C770-4C6E-9D5E-B1528169DB62}" srcOrd="1" destOrd="0" presId="urn:microsoft.com/office/officeart/2008/layout/LinedList"/>
+    <dgm:cxn modelId="{2C8EEF69-598A-48B9-BEF8-A367C7F78A32}" srcId="{23461458-99AC-43F7-8BDA-64D0917CFC0A}" destId="{9619656D-674C-4A8F-8DC5-00F5579EF550}" srcOrd="0" destOrd="0" parTransId="{DA5256BB-B0DC-4563-851A-7C62897564A2}" sibTransId="{13C486CE-9240-4C03-9016-8A279D16A281}"/>
+    <dgm:cxn modelId="{C0C46384-24F5-4D56-BD74-3AF63B842AEE}" type="presOf" srcId="{9619656D-674C-4A8F-8DC5-00F5579EF550}" destId="{D38B0712-F08E-427C-B541-E472C84C8366}" srcOrd="0" destOrd="0" presId="urn:microsoft.com/office/officeart/2008/layout/LinedList"/>
+    <dgm:cxn modelId="{0664338E-A472-45C4-80FA-F410327D42D6}" srcId="{23461458-99AC-43F7-8BDA-64D0917CFC0A}" destId="{FDF82255-BE29-4126-99C9-09B6DEC5775B}" srcOrd="1" destOrd="0" parTransId="{BB8256F8-8B0B-4D74-993C-93BB0D50AF9E}" sibTransId="{D055D965-F76E-4A14-8BD0-86C324FE0DAD}"/>
+    <dgm:cxn modelId="{049225A3-749A-4CB9-B380-F3371324C17E}" type="presOf" srcId="{FDF82255-BE29-4126-99C9-09B6DEC5775B}" destId="{B430D951-F22F-4660-98BF-46529B088DCF}" srcOrd="0" destOrd="0" presId="urn:microsoft.com/office/officeart/2008/layout/LinedList"/>
+    <dgm:cxn modelId="{F27ACFBC-5D01-4E0F-AD0E-92E378061EA5}" srcId="{23461458-99AC-43F7-8BDA-64D0917CFC0A}" destId="{5468BCF8-7282-4CB1-8C21-7D72967F7E34}" srcOrd="2" destOrd="0" parTransId="{991A7379-05EA-4AC0-9C04-29D464346209}" sibTransId="{B0EEF557-52E2-479D-B4C1-093A618468A5}"/>
+    <dgm:cxn modelId="{1DE5FBC7-C728-4540-80C7-5A42AEA14641}" srcId="{23461458-99AC-43F7-8BDA-64D0917CFC0A}" destId="{00C9691F-D60C-407E-84BB-A3041F0ABEC8}" srcOrd="5" destOrd="0" parTransId="{1742D8A5-C68A-48B7-A513-87DD12D37589}" sibTransId="{7CF1A334-CB42-460A-873B-96C57E19FAF2}"/>
+    <dgm:cxn modelId="{DF487FE5-F4AF-4D3D-B483-7A7691E3B26A}" type="presOf" srcId="{00C9691F-D60C-407E-84BB-A3041F0ABEC8}" destId="{CDEF7C3B-8A97-4559-A404-B1AE8B0675C7}" srcOrd="0" destOrd="0" presId="urn:microsoft.com/office/officeart/2008/layout/LinedList"/>
+    <dgm:cxn modelId="{E4C8DFE6-917D-4D83-B40C-6C763F5DBA14}" type="presOf" srcId="{455ECE95-BF2F-44B0-AE7C-68768FBCBE86}" destId="{AEA846AB-0C2A-4A17-8BA7-8BB0481AE847}" srcOrd="0" destOrd="0" presId="urn:microsoft.com/office/officeart/2008/layout/LinedList"/>
+    <dgm:cxn modelId="{FFCF81F8-2F79-4AB7-915E-161534E1387E}" srcId="{23461458-99AC-43F7-8BDA-64D0917CFC0A}" destId="{455ECE95-BF2F-44B0-AE7C-68768FBCBE86}" srcOrd="4" destOrd="0" parTransId="{9FE14DCA-7970-4995-BB28-8EC5622317F7}" sibTransId="{9240EF4B-46D8-41C3-A40E-F2111D68EA52}"/>
+    <dgm:cxn modelId="{ABC070C1-85D2-4577-AEAF-C5944ED6F4A6}" type="presParOf" srcId="{E54BA1B1-4106-4A97-B00D-45858F9B0D53}" destId="{0BE42DC5-3D4F-439E-8044-6C07FA537A67}" srcOrd="0" destOrd="0" presId="urn:microsoft.com/office/officeart/2008/layout/LinedList"/>
+    <dgm:cxn modelId="{E6EA031A-F9DD-4F11-8D04-4022FED5B498}" type="presParOf" srcId="{E54BA1B1-4106-4A97-B00D-45858F9B0D53}" destId="{9F1A49F0-47BD-4242-99EA-80EA0AC7A8E3}" srcOrd="1" destOrd="0" presId="urn:microsoft.com/office/officeart/2008/layout/LinedList"/>
+    <dgm:cxn modelId="{760F2F00-934A-479A-8887-E19318533742}" type="presParOf" srcId="{9F1A49F0-47BD-4242-99EA-80EA0AC7A8E3}" destId="{D38B0712-F08E-427C-B541-E472C84C8366}" srcOrd="0" destOrd="0" presId="urn:microsoft.com/office/officeart/2008/layout/LinedList"/>
+    <dgm:cxn modelId="{3CB48323-EF75-46EE-B5B1-A4E07A123335}" type="presParOf" srcId="{9F1A49F0-47BD-4242-99EA-80EA0AC7A8E3}" destId="{1A54BE22-4030-4930-8BA2-5D6EA2438E88}" srcOrd="1" destOrd="0" presId="urn:microsoft.com/office/officeart/2008/layout/LinedList"/>
+    <dgm:cxn modelId="{CE92CDB0-2337-4F0A-98F3-BCFEF57C5940}" type="presParOf" srcId="{E54BA1B1-4106-4A97-B00D-45858F9B0D53}" destId="{A1A3ED05-D6CC-4F91-88A1-AEC567AAE41D}" srcOrd="2" destOrd="0" presId="urn:microsoft.com/office/officeart/2008/layout/LinedList"/>
+    <dgm:cxn modelId="{1BA40176-0BFE-41B6-A137-10199FCBF314}" type="presParOf" srcId="{E54BA1B1-4106-4A97-B00D-45858F9B0D53}" destId="{2B953C6B-D723-4909-A932-1B7A5F9CBD67}" srcOrd="3" destOrd="0" presId="urn:microsoft.com/office/officeart/2008/layout/LinedList"/>
+    <dgm:cxn modelId="{81D30DDC-E4D2-41D7-AA16-2A21047EAC04}" type="presParOf" srcId="{2B953C6B-D723-4909-A932-1B7A5F9CBD67}" destId="{B430D951-F22F-4660-98BF-46529B088DCF}" srcOrd="0" destOrd="0" presId="urn:microsoft.com/office/officeart/2008/layout/LinedList"/>
+    <dgm:cxn modelId="{0AA08F1C-94C7-4DCF-AC31-182CFE944DEA}" type="presParOf" srcId="{2B953C6B-D723-4909-A932-1B7A5F9CBD67}" destId="{25FAC9ED-8294-4265-96DA-F0BD8285F6CE}" srcOrd="1" destOrd="0" presId="urn:microsoft.com/office/officeart/2008/layout/LinedList"/>
+    <dgm:cxn modelId="{D555B5A5-8321-4097-8D0C-BAB7EB8FBCDB}" type="presParOf" srcId="{E54BA1B1-4106-4A97-B00D-45858F9B0D53}" destId="{9BC1B0C8-2C18-4BE5-82EF-787306E07836}" srcOrd="4" destOrd="0" presId="urn:microsoft.com/office/officeart/2008/layout/LinedList"/>
+    <dgm:cxn modelId="{7B4D577C-BBA5-4383-907E-A4151DE5E4A9}" type="presParOf" srcId="{E54BA1B1-4106-4A97-B00D-45858F9B0D53}" destId="{83945A9B-1F6A-4A1C-A6B1-50953C99A05B}" srcOrd="5" destOrd="0" presId="urn:microsoft.com/office/officeart/2008/layout/LinedList"/>
+    <dgm:cxn modelId="{A5A92CEC-54EF-4891-9D5C-8A08FD947FFC}" type="presParOf" srcId="{83945A9B-1F6A-4A1C-A6B1-50953C99A05B}" destId="{594DD61D-13B6-4199-9A0D-EE5C6DC11464}" srcOrd="0" destOrd="0" presId="urn:microsoft.com/office/officeart/2008/layout/LinedList"/>
+    <dgm:cxn modelId="{C02A612A-45F3-4920-A797-C7E47266FFCB}" type="presParOf" srcId="{83945A9B-1F6A-4A1C-A6B1-50953C99A05B}" destId="{E02DC466-403B-4A14-B900-CE1E9A0E4D41}" srcOrd="1" destOrd="0" presId="urn:microsoft.com/office/officeart/2008/layout/LinedList"/>
+    <dgm:cxn modelId="{04116717-3834-49F0-A411-7346B17905D9}" type="presParOf" srcId="{E54BA1B1-4106-4A97-B00D-45858F9B0D53}" destId="{04C78197-2E58-4991-A1EC-40B78BFEFE78}" srcOrd="6" destOrd="0" presId="urn:microsoft.com/office/officeart/2008/layout/LinedList"/>
+    <dgm:cxn modelId="{4F8135B7-9446-464E-99B0-795B19BB0BC0}" type="presParOf" srcId="{E54BA1B1-4106-4A97-B00D-45858F9B0D53}" destId="{00FEBC3E-D721-462B-9F52-037E32E26393}" srcOrd="7" destOrd="0" presId="urn:microsoft.com/office/officeart/2008/layout/LinedList"/>
+    <dgm:cxn modelId="{ACCDB4F6-6BC4-40B5-B6DE-06D9BFB13B6B}" type="presParOf" srcId="{00FEBC3E-D721-462B-9F52-037E32E26393}" destId="{3EE6812F-E038-4CE3-B29E-79904C215B49}" srcOrd="0" destOrd="0" presId="urn:microsoft.com/office/officeart/2008/layout/LinedList"/>
+    <dgm:cxn modelId="{32424646-0D14-4505-BAE6-14E9A7DB6928}" type="presParOf" srcId="{00FEBC3E-D721-462B-9F52-037E32E26393}" destId="{05D3FFA1-BDC4-4D06-8DC4-D026F8CDDB0C}" srcOrd="1" destOrd="0" presId="urn:microsoft.com/office/officeart/2008/layout/LinedList"/>
+    <dgm:cxn modelId="{0AEC5986-BA82-45B0-A42E-F8A7E22FF4BA}" type="presParOf" srcId="{E54BA1B1-4106-4A97-B00D-45858F9B0D53}" destId="{170FCC81-48DA-4440-BC79-EE94DE9DAB1E}" srcOrd="8" destOrd="0" presId="urn:microsoft.com/office/officeart/2008/layout/LinedList"/>
+    <dgm:cxn modelId="{6AB372D6-1E1D-45C6-926A-3CC3CB910068}" type="presParOf" srcId="{E54BA1B1-4106-4A97-B00D-45858F9B0D53}" destId="{35E591F2-88CD-401A-9F4A-6BBD82F04DEE}" srcOrd="9" destOrd="0" presId="urn:microsoft.com/office/officeart/2008/layout/LinedList"/>
+    <dgm:cxn modelId="{1A9598A0-19EB-4002-8DA7-36D90B1E16D9}" type="presParOf" srcId="{35E591F2-88CD-401A-9F4A-6BBD82F04DEE}" destId="{AEA846AB-0C2A-4A17-8BA7-8BB0481AE847}" srcOrd="0" destOrd="0" presId="urn:microsoft.com/office/officeart/2008/layout/LinedList"/>
+    <dgm:cxn modelId="{D99C5AB3-A8E4-4F10-A3AB-E021B34F4254}" type="presParOf" srcId="{35E591F2-88CD-401A-9F4A-6BBD82F04DEE}" destId="{8A1C8D98-8946-439E-AEF6-5FCD6E375EF2}" srcOrd="1" destOrd="0" presId="urn:microsoft.com/office/officeart/2008/layout/LinedList"/>
+    <dgm:cxn modelId="{518E3004-AF02-4441-ACC2-3902FACBF09F}" type="presParOf" srcId="{E54BA1B1-4106-4A97-B00D-45858F9B0D53}" destId="{72F9F420-1A6A-4D98-A87C-D82CB0BE31D8}" srcOrd="10" destOrd="0" presId="urn:microsoft.com/office/officeart/2008/layout/LinedList"/>
+    <dgm:cxn modelId="{8E476B61-7376-4AB5-8BBD-583E1768056E}" type="presParOf" srcId="{E54BA1B1-4106-4A97-B00D-45858F9B0D53}" destId="{EDB26C97-F5BB-4F31-829D-E43BC1F822FA}" srcOrd="11" destOrd="0" presId="urn:microsoft.com/office/officeart/2008/layout/LinedList"/>
+    <dgm:cxn modelId="{16878841-AEB5-419C-8783-B34005324951}" type="presParOf" srcId="{EDB26C97-F5BB-4F31-829D-E43BC1F822FA}" destId="{CDEF7C3B-8A97-4559-A404-B1AE8B0675C7}" srcOrd="0" destOrd="0" presId="urn:microsoft.com/office/officeart/2008/layout/LinedList"/>
+    <dgm:cxn modelId="{9E12563F-D0AD-449D-8079-C2E10DC3FD02}" type="presParOf" srcId="{EDB26C97-F5BB-4F31-829D-E43BC1F822FA}" destId="{6A9ADB97-B75A-4283-9025-CD816CAD4D80}" srcOrd="1" destOrd="0" presId="urn:microsoft.com/office/officeart/2008/layout/LinedList"/>
   </dgm:cxnLst>
   <dgm:bg/>
   <dgm:whole/>
@@ -8853,7 +9044,7 @@
       <dsp:cNvGrpSpPr/>
     </dsp:nvGrpSpPr>
     <dsp:grpSpPr/>
-    <dsp:sp modelId="{2EAB1DDC-962F-4CE9-98D6-AD617ED63540}">
+    <dsp:sp modelId="{0BE42DC5-3D4F-439E-8044-6C07FA537A67}">
       <dsp:nvSpPr>
         <dsp:cNvPr id="0" name=""/>
         <dsp:cNvSpPr/>
@@ -8903,7 +9094,7 @@
         </a:fontRef>
       </dsp:style>
     </dsp:sp>
-    <dsp:sp modelId="{414A39AA-C443-4BAF-B04D-4ACA71185E53}">
+    <dsp:sp modelId="{D38B0712-F08E-427C-B541-E472C84C8366}">
       <dsp:nvSpPr>
         <dsp:cNvPr id="0" name=""/>
         <dsp:cNvSpPr/>
@@ -8911,7 +9102,7 @@
       <dsp:spPr>
         <a:xfrm>
           <a:off x="0" y="2720"/>
-          <a:ext cx="6089650" cy="1855561"/>
+          <a:ext cx="6089650" cy="927780"/>
         </a:xfrm>
         <a:prstGeom prst="rect">
           <a:avLst/>
@@ -8953,24 +9144,24 @@
             <a:buNone/>
           </a:pPr>
           <a:r>
-            <a:rPr lang="en-US" sz="2800" kern="1200" dirty="0"/>
+            <a:rPr lang="en-US" sz="2800" b="0" kern="1200" dirty="0"/>
             <a:t>Execution policies</a:t>
           </a:r>
         </a:p>
       </dsp:txBody>
       <dsp:txXfrm>
         <a:off x="0" y="2720"/>
-        <a:ext cx="6089650" cy="1855561"/>
+        <a:ext cx="6089650" cy="927780"/>
       </dsp:txXfrm>
     </dsp:sp>
-    <dsp:sp modelId="{4BAAD081-0400-497E-B235-F34F117F86FC}">
+    <dsp:sp modelId="{A1A3ED05-D6CC-4F91-88A1-AEC567AAE41D}">
       <dsp:nvSpPr>
         <dsp:cNvPr id="0" name=""/>
         <dsp:cNvSpPr/>
       </dsp:nvSpPr>
       <dsp:spPr>
         <a:xfrm>
-          <a:off x="0" y="1858281"/>
+          <a:off x="0" y="930501"/>
           <a:ext cx="6089650" cy="0"/>
         </a:xfrm>
         <a:prstGeom prst="line">
@@ -9013,15 +9204,15 @@
         </a:fontRef>
       </dsp:style>
     </dsp:sp>
-    <dsp:sp modelId="{6436319A-4D38-4A04-A155-D77876252089}">
+    <dsp:sp modelId="{B430D951-F22F-4660-98BF-46529B088DCF}">
       <dsp:nvSpPr>
         <dsp:cNvPr id="0" name=""/>
         <dsp:cNvSpPr/>
       </dsp:nvSpPr>
       <dsp:spPr>
         <a:xfrm>
-          <a:off x="0" y="1858281"/>
-          <a:ext cx="6089650" cy="1855561"/>
+          <a:off x="0" y="930501"/>
+          <a:ext cx="6089650" cy="927780"/>
         </a:xfrm>
         <a:prstGeom prst="rect">
           <a:avLst/>
@@ -9063,24 +9254,24 @@
             <a:buNone/>
           </a:pPr>
           <a:r>
-            <a:rPr lang="en-US" sz="2800" kern="1200"/>
-            <a:t>PS interactions with Azure resources</a:t>
+            <a:rPr lang="en-US" sz="2800" b="0" kern="1200" dirty="0"/>
+            <a:t>Azure resource interactions</a:t>
           </a:r>
         </a:p>
       </dsp:txBody>
       <dsp:txXfrm>
-        <a:off x="0" y="1858281"/>
-        <a:ext cx="6089650" cy="1855561"/>
+        <a:off x="0" y="930501"/>
+        <a:ext cx="6089650" cy="927780"/>
       </dsp:txXfrm>
     </dsp:sp>
-    <dsp:sp modelId="{A5554537-C1D9-48F9-BC5C-C82F56D74909}">
+    <dsp:sp modelId="{9BC1B0C8-2C18-4BE5-82EF-787306E07836}">
       <dsp:nvSpPr>
         <dsp:cNvPr id="0" name=""/>
         <dsp:cNvSpPr/>
       </dsp:nvSpPr>
       <dsp:spPr>
         <a:xfrm>
-          <a:off x="0" y="3713843"/>
+          <a:off x="0" y="1858281"/>
           <a:ext cx="6089650" cy="0"/>
         </a:xfrm>
         <a:prstGeom prst="line">
@@ -9123,15 +9314,15 @@
         </a:fontRef>
       </dsp:style>
     </dsp:sp>
-    <dsp:sp modelId="{E2D78FFD-245F-4DB0-B372-31C7225536B8}">
+    <dsp:sp modelId="{594DD61D-13B6-4199-9A0D-EE5C6DC11464}">
       <dsp:nvSpPr>
         <dsp:cNvPr id="0" name=""/>
         <dsp:cNvSpPr/>
       </dsp:nvSpPr>
       <dsp:spPr>
         <a:xfrm>
-          <a:off x="0" y="3713843"/>
-          <a:ext cx="6089650" cy="1855561"/>
+          <a:off x="0" y="1858281"/>
+          <a:ext cx="6089650" cy="927780"/>
         </a:xfrm>
         <a:prstGeom prst="rect">
           <a:avLst/>
@@ -9173,14 +9364,356 @@
             <a:buNone/>
           </a:pPr>
           <a:r>
-            <a:rPr lang="en-US" sz="2800" kern="1200"/>
-            <a:t>Administration of PCs, users, etc.</a:t>
+            <a:rPr lang="en-US" sz="2800" b="0" kern="1200" dirty="0"/>
+            <a:t>PC user and administrative management</a:t>
+          </a:r>
+        </a:p>
+      </dsp:txBody>
+      <dsp:txXfrm>
+        <a:off x="0" y="1858281"/>
+        <a:ext cx="6089650" cy="927780"/>
+      </dsp:txXfrm>
+    </dsp:sp>
+    <dsp:sp modelId="{04C78197-2E58-4991-A1EC-40B78BFEFE78}">
+      <dsp:nvSpPr>
+        <dsp:cNvPr id="0" name=""/>
+        <dsp:cNvSpPr/>
+      </dsp:nvSpPr>
+      <dsp:spPr>
+        <a:xfrm>
+          <a:off x="0" y="2786062"/>
+          <a:ext cx="6089650" cy="0"/>
+        </a:xfrm>
+        <a:prstGeom prst="line">
+          <a:avLst/>
+        </a:prstGeom>
+        <a:solidFill>
+          <a:schemeClr val="accent5">
+            <a:hueOff val="0"/>
+            <a:satOff val="0"/>
+            <a:lumOff val="0"/>
+            <a:alphaOff val="0"/>
+          </a:schemeClr>
+        </a:solidFill>
+        <a:ln w="12700" cap="flat" cmpd="sng" algn="ctr">
+          <a:solidFill>
+            <a:schemeClr val="accent5">
+              <a:hueOff val="0"/>
+              <a:satOff val="0"/>
+              <a:lumOff val="0"/>
+              <a:alphaOff val="0"/>
+            </a:schemeClr>
+          </a:solidFill>
+          <a:prstDash val="solid"/>
+          <a:miter lim="800000"/>
+        </a:ln>
+        <a:effectLst/>
+      </dsp:spPr>
+      <dsp:style>
+        <a:lnRef idx="2">
+          <a:scrgbClr r="0" g="0" b="0"/>
+        </a:lnRef>
+        <a:fillRef idx="1">
+          <a:scrgbClr r="0" g="0" b="0"/>
+        </a:fillRef>
+        <a:effectRef idx="0">
+          <a:scrgbClr r="0" g="0" b="0"/>
+        </a:effectRef>
+        <a:fontRef idx="minor">
+          <a:schemeClr val="lt1"/>
+        </a:fontRef>
+      </dsp:style>
+    </dsp:sp>
+    <dsp:sp modelId="{3EE6812F-E038-4CE3-B29E-79904C215B49}">
+      <dsp:nvSpPr>
+        <dsp:cNvPr id="0" name=""/>
+        <dsp:cNvSpPr/>
+      </dsp:nvSpPr>
+      <dsp:spPr>
+        <a:xfrm>
+          <a:off x="0" y="2786062"/>
+          <a:ext cx="6089650" cy="927780"/>
+        </a:xfrm>
+        <a:prstGeom prst="rect">
+          <a:avLst/>
+        </a:prstGeom>
+        <a:noFill/>
+        <a:ln>
+          <a:noFill/>
+        </a:ln>
+        <a:effectLst/>
+      </dsp:spPr>
+      <dsp:style>
+        <a:lnRef idx="0">
+          <a:scrgbClr r="0" g="0" b="0"/>
+        </a:lnRef>
+        <a:fillRef idx="0">
+          <a:scrgbClr r="0" g="0" b="0"/>
+        </a:fillRef>
+        <a:effectRef idx="0">
+          <a:scrgbClr r="0" g="0" b="0"/>
+        </a:effectRef>
+        <a:fontRef idx="minor"/>
+      </dsp:style>
+      <dsp:txBody>
+        <a:bodyPr spcFirstLastPara="0" vert="horz" wrap="square" lIns="106680" tIns="106680" rIns="106680" bIns="106680" numCol="1" spcCol="1270" anchor="t" anchorCtr="0">
+          <a:noAutofit/>
+        </a:bodyPr>
+        <a:lstStyle/>
+        <a:p>
+          <a:pPr marL="0" lvl="0" indent="0" algn="l" defTabSz="1244600">
+            <a:lnSpc>
+              <a:spcPct val="90000"/>
+            </a:lnSpc>
+            <a:spcBef>
+              <a:spcPct val="0"/>
+            </a:spcBef>
+            <a:spcAft>
+              <a:spcPct val="35000"/>
+            </a:spcAft>
+            <a:buNone/>
+          </a:pPr>
+          <a:r>
+            <a:rPr lang="en-US" sz="2800" b="0" kern="1200" dirty="0"/>
+            <a:t>GUIs and PowerShell</a:t>
+          </a:r>
+        </a:p>
+      </dsp:txBody>
+      <dsp:txXfrm>
+        <a:off x="0" y="2786062"/>
+        <a:ext cx="6089650" cy="927780"/>
+      </dsp:txXfrm>
+    </dsp:sp>
+    <dsp:sp modelId="{170FCC81-48DA-4440-BC79-EE94DE9DAB1E}">
+      <dsp:nvSpPr>
+        <dsp:cNvPr id="0" name=""/>
+        <dsp:cNvSpPr/>
+      </dsp:nvSpPr>
+      <dsp:spPr>
+        <a:xfrm>
+          <a:off x="0" y="3713843"/>
+          <a:ext cx="6089650" cy="0"/>
+        </a:xfrm>
+        <a:prstGeom prst="line">
+          <a:avLst/>
+        </a:prstGeom>
+        <a:solidFill>
+          <a:schemeClr val="accent6">
+            <a:hueOff val="0"/>
+            <a:satOff val="0"/>
+            <a:lumOff val="0"/>
+            <a:alphaOff val="0"/>
+          </a:schemeClr>
+        </a:solidFill>
+        <a:ln w="12700" cap="flat" cmpd="sng" algn="ctr">
+          <a:solidFill>
+            <a:schemeClr val="accent6">
+              <a:hueOff val="0"/>
+              <a:satOff val="0"/>
+              <a:lumOff val="0"/>
+              <a:alphaOff val="0"/>
+            </a:schemeClr>
+          </a:solidFill>
+          <a:prstDash val="solid"/>
+          <a:miter lim="800000"/>
+        </a:ln>
+        <a:effectLst/>
+      </dsp:spPr>
+      <dsp:style>
+        <a:lnRef idx="2">
+          <a:scrgbClr r="0" g="0" b="0"/>
+        </a:lnRef>
+        <a:fillRef idx="1">
+          <a:scrgbClr r="0" g="0" b="0"/>
+        </a:fillRef>
+        <a:effectRef idx="0">
+          <a:scrgbClr r="0" g="0" b="0"/>
+        </a:effectRef>
+        <a:fontRef idx="minor">
+          <a:schemeClr val="lt1"/>
+        </a:fontRef>
+      </dsp:style>
+    </dsp:sp>
+    <dsp:sp modelId="{AEA846AB-0C2A-4A17-8BA7-8BB0481AE847}">
+      <dsp:nvSpPr>
+        <dsp:cNvPr id="0" name=""/>
+        <dsp:cNvSpPr/>
+      </dsp:nvSpPr>
+      <dsp:spPr>
+        <a:xfrm>
+          <a:off x="0" y="3713843"/>
+          <a:ext cx="6089650" cy="927780"/>
+        </a:xfrm>
+        <a:prstGeom prst="rect">
+          <a:avLst/>
+        </a:prstGeom>
+        <a:noFill/>
+        <a:ln>
+          <a:noFill/>
+        </a:ln>
+        <a:effectLst/>
+      </dsp:spPr>
+      <dsp:style>
+        <a:lnRef idx="0">
+          <a:scrgbClr r="0" g="0" b="0"/>
+        </a:lnRef>
+        <a:fillRef idx="0">
+          <a:scrgbClr r="0" g="0" b="0"/>
+        </a:fillRef>
+        <a:effectRef idx="0">
+          <a:scrgbClr r="0" g="0" b="0"/>
+        </a:effectRef>
+        <a:fontRef idx="minor"/>
+      </dsp:style>
+      <dsp:txBody>
+        <a:bodyPr spcFirstLastPara="0" vert="horz" wrap="square" lIns="106680" tIns="106680" rIns="106680" bIns="106680" numCol="1" spcCol="1270" anchor="t" anchorCtr="0">
+          <a:noAutofit/>
+        </a:bodyPr>
+        <a:lstStyle/>
+        <a:p>
+          <a:pPr marL="0" lvl="0" indent="0" algn="l" defTabSz="1244600">
+            <a:lnSpc>
+              <a:spcPct val="90000"/>
+            </a:lnSpc>
+            <a:spcBef>
+              <a:spcPct val="0"/>
+            </a:spcBef>
+            <a:spcAft>
+              <a:spcPct val="35000"/>
+            </a:spcAft>
+            <a:buNone/>
+          </a:pPr>
+          <a:r>
+            <a:rPr lang="en-US" sz="2800" b="0" kern="1200" dirty="0" err="1"/>
+            <a:t>PSCustomObject</a:t>
+          </a:r>
+          <a:r>
+            <a:rPr lang="en-US" sz="2800" b="0" kern="1200" dirty="0"/>
+            <a:t> creation</a:t>
           </a:r>
         </a:p>
       </dsp:txBody>
       <dsp:txXfrm>
         <a:off x="0" y="3713843"/>
-        <a:ext cx="6089650" cy="1855561"/>
+        <a:ext cx="6089650" cy="927780"/>
+      </dsp:txXfrm>
+    </dsp:sp>
+    <dsp:sp modelId="{72F9F420-1A6A-4D98-A87C-D82CB0BE31D8}">
+      <dsp:nvSpPr>
+        <dsp:cNvPr id="0" name=""/>
+        <dsp:cNvSpPr/>
+      </dsp:nvSpPr>
+      <dsp:spPr>
+        <a:xfrm>
+          <a:off x="0" y="4641623"/>
+          <a:ext cx="6089650" cy="0"/>
+        </a:xfrm>
+        <a:prstGeom prst="line">
+          <a:avLst/>
+        </a:prstGeom>
+        <a:solidFill>
+          <a:schemeClr val="accent2">
+            <a:hueOff val="0"/>
+            <a:satOff val="0"/>
+            <a:lumOff val="0"/>
+            <a:alphaOff val="0"/>
+          </a:schemeClr>
+        </a:solidFill>
+        <a:ln w="12700" cap="flat" cmpd="sng" algn="ctr">
+          <a:solidFill>
+            <a:schemeClr val="accent2">
+              <a:hueOff val="0"/>
+              <a:satOff val="0"/>
+              <a:lumOff val="0"/>
+              <a:alphaOff val="0"/>
+            </a:schemeClr>
+          </a:solidFill>
+          <a:prstDash val="solid"/>
+          <a:miter lim="800000"/>
+        </a:ln>
+        <a:effectLst/>
+      </dsp:spPr>
+      <dsp:style>
+        <a:lnRef idx="2">
+          <a:scrgbClr r="0" g="0" b="0"/>
+        </a:lnRef>
+        <a:fillRef idx="1">
+          <a:scrgbClr r="0" g="0" b="0"/>
+        </a:fillRef>
+        <a:effectRef idx="0">
+          <a:scrgbClr r="0" g="0" b="0"/>
+        </a:effectRef>
+        <a:fontRef idx="minor">
+          <a:schemeClr val="lt1"/>
+        </a:fontRef>
+      </dsp:style>
+    </dsp:sp>
+    <dsp:sp modelId="{CDEF7C3B-8A97-4559-A404-B1AE8B0675C7}">
+      <dsp:nvSpPr>
+        <dsp:cNvPr id="0" name=""/>
+        <dsp:cNvSpPr/>
+      </dsp:nvSpPr>
+      <dsp:spPr>
+        <a:xfrm>
+          <a:off x="0" y="4641623"/>
+          <a:ext cx="6089650" cy="927780"/>
+        </a:xfrm>
+        <a:prstGeom prst="rect">
+          <a:avLst/>
+        </a:prstGeom>
+        <a:noFill/>
+        <a:ln>
+          <a:noFill/>
+        </a:ln>
+        <a:effectLst/>
+      </dsp:spPr>
+      <dsp:style>
+        <a:lnRef idx="0">
+          <a:scrgbClr r="0" g="0" b="0"/>
+        </a:lnRef>
+        <a:fillRef idx="0">
+          <a:scrgbClr r="0" g="0" b="0"/>
+        </a:fillRef>
+        <a:effectRef idx="0">
+          <a:scrgbClr r="0" g="0" b="0"/>
+        </a:effectRef>
+        <a:fontRef idx="minor"/>
+      </dsp:style>
+      <dsp:txBody>
+        <a:bodyPr spcFirstLastPara="0" vert="horz" wrap="square" lIns="106680" tIns="106680" rIns="106680" bIns="106680" numCol="1" spcCol="1270" anchor="t" anchorCtr="0">
+          <a:noAutofit/>
+        </a:bodyPr>
+        <a:lstStyle/>
+        <a:p>
+          <a:pPr marL="0" lvl="0" indent="0" algn="l" defTabSz="1244600">
+            <a:lnSpc>
+              <a:spcPct val="90000"/>
+            </a:lnSpc>
+            <a:spcBef>
+              <a:spcPct val="0"/>
+            </a:spcBef>
+            <a:spcAft>
+              <a:spcPct val="35000"/>
+            </a:spcAft>
+            <a:buNone/>
+          </a:pPr>
+          <a:r>
+            <a:rPr lang="en-US" sz="2800" b="0" kern="1200" dirty="0"/>
+            <a:t>Using external DLL dependencies (Add-Type, .NET [</a:t>
+          </a:r>
+          <a:r>
+            <a:rPr lang="en-US" sz="2800" b="0" kern="1200" dirty="0" err="1"/>
+            <a:t>reflection.assembly</a:t>
+          </a:r>
+          <a:r>
+            <a:rPr lang="en-US" sz="2800" b="0" kern="1200" dirty="0"/>
+            <a:t>])</a:t>
+          </a:r>
+        </a:p>
+      </dsp:txBody>
+      <dsp:txXfrm>
+        <a:off x="0" y="4641623"/>
+        <a:ext cx="6089650" cy="927780"/>
       </dsp:txXfrm>
     </dsp:sp>
   </dsp:spTree>
@@ -16834,7 +17367,7 @@
           <a:p>
             <a:fld id="{19BDA5FC-5254-47F1-A3D4-8E531F3E8EF2}" type="datetimeFigureOut">
               <a:rPr lang="en-US" smtClean="0"/>
-              <a:t>3/11/2019</a:t>
+              <a:t>3/12/2019</a:t>
             </a:fld>
             <a:endParaRPr lang="en-US"/>
           </a:p>
@@ -17032,7 +17565,7 @@
           <a:p>
             <a:fld id="{19BDA5FC-5254-47F1-A3D4-8E531F3E8EF2}" type="datetimeFigureOut">
               <a:rPr lang="en-US" smtClean="0"/>
-              <a:t>3/11/2019</a:t>
+              <a:t>3/12/2019</a:t>
             </a:fld>
             <a:endParaRPr lang="en-US"/>
           </a:p>
@@ -17240,7 +17773,7 @@
           <a:p>
             <a:fld id="{19BDA5FC-5254-47F1-A3D4-8E531F3E8EF2}" type="datetimeFigureOut">
               <a:rPr lang="en-US" smtClean="0"/>
-              <a:t>3/11/2019</a:t>
+              <a:t>3/12/2019</a:t>
             </a:fld>
             <a:endParaRPr lang="en-US"/>
           </a:p>
@@ -17438,7 +17971,7 @@
           <a:p>
             <a:fld id="{19BDA5FC-5254-47F1-A3D4-8E531F3E8EF2}" type="datetimeFigureOut">
               <a:rPr lang="en-US" smtClean="0"/>
-              <a:t>3/11/2019</a:t>
+              <a:t>3/12/2019</a:t>
             </a:fld>
             <a:endParaRPr lang="en-US"/>
           </a:p>
@@ -17713,7 +18246,7 @@
           <a:p>
             <a:fld id="{19BDA5FC-5254-47F1-A3D4-8E531F3E8EF2}" type="datetimeFigureOut">
               <a:rPr lang="en-US" smtClean="0"/>
-              <a:t>3/11/2019</a:t>
+              <a:t>3/12/2019</a:t>
             </a:fld>
             <a:endParaRPr lang="en-US"/>
           </a:p>
@@ -17978,7 +18511,7 @@
           <a:p>
             <a:fld id="{19BDA5FC-5254-47F1-A3D4-8E531F3E8EF2}" type="datetimeFigureOut">
               <a:rPr lang="en-US" smtClean="0"/>
-              <a:t>3/11/2019</a:t>
+              <a:t>3/12/2019</a:t>
             </a:fld>
             <a:endParaRPr lang="en-US"/>
           </a:p>
@@ -18390,7 +18923,7 @@
           <a:p>
             <a:fld id="{19BDA5FC-5254-47F1-A3D4-8E531F3E8EF2}" type="datetimeFigureOut">
               <a:rPr lang="en-US" smtClean="0"/>
-              <a:t>3/11/2019</a:t>
+              <a:t>3/12/2019</a:t>
             </a:fld>
             <a:endParaRPr lang="en-US"/>
           </a:p>
@@ -18531,7 +19064,7 @@
           <a:p>
             <a:fld id="{19BDA5FC-5254-47F1-A3D4-8E531F3E8EF2}" type="datetimeFigureOut">
               <a:rPr lang="en-US" smtClean="0"/>
-              <a:t>3/11/2019</a:t>
+              <a:t>3/12/2019</a:t>
             </a:fld>
             <a:endParaRPr lang="en-US"/>
           </a:p>
@@ -18644,7 +19177,7 @@
           <a:p>
             <a:fld id="{19BDA5FC-5254-47F1-A3D4-8E531F3E8EF2}" type="datetimeFigureOut">
               <a:rPr lang="en-US" smtClean="0"/>
-              <a:t>3/11/2019</a:t>
+              <a:t>3/12/2019</a:t>
             </a:fld>
             <a:endParaRPr lang="en-US"/>
           </a:p>
@@ -18955,7 +19488,7 @@
           <a:p>
             <a:fld id="{19BDA5FC-5254-47F1-A3D4-8E531F3E8EF2}" type="datetimeFigureOut">
               <a:rPr lang="en-US" smtClean="0"/>
-              <a:t>3/11/2019</a:t>
+              <a:t>3/12/2019</a:t>
             </a:fld>
             <a:endParaRPr lang="en-US"/>
           </a:p>
@@ -19243,7 +19776,7 @@
           <a:p>
             <a:fld id="{19BDA5FC-5254-47F1-A3D4-8E531F3E8EF2}" type="datetimeFigureOut">
               <a:rPr lang="en-US" smtClean="0"/>
-              <a:t>3/11/2019</a:t>
+              <a:t>3/12/2019</a:t>
             </a:fld>
             <a:endParaRPr lang="en-US"/>
           </a:p>
@@ -19484,7 +20017,7 @@
           <a:p>
             <a:fld id="{19BDA5FC-5254-47F1-A3D4-8E531F3E8EF2}" type="datetimeFigureOut">
               <a:rPr lang="en-US" smtClean="0"/>
-              <a:t>3/11/2019</a:t>
+              <a:t>3/12/2019</a:t>
             </a:fld>
             <a:endParaRPr lang="en-US"/>
           </a:p>
@@ -20190,6 +20723,300 @@
     <p:bg>
       <p:bgPr>
         <a:solidFill>
+          <a:schemeClr val="bg1"/>
+        </a:solidFill>
+        <a:effectLst/>
+      </p:bgPr>
+    </p:bg>
+    <p:spTree>
+      <p:nvGrpSpPr>
+        <p:cNvPr id="1" name=""/>
+        <p:cNvGrpSpPr/>
+        <p:nvPr/>
+      </p:nvGrpSpPr>
+      <p:grpSpPr>
+        <a:xfrm>
+          <a:off x="0" y="0"/>
+          <a:ext cx="0" cy="0"/>
+          <a:chOff x="0" y="0"/>
+          <a:chExt cx="0" cy="0"/>
+        </a:xfrm>
+      </p:grpSpPr>
+      <p:sp>
+        <p:nvSpPr>
+          <p:cNvPr id="10" name="Rectangle 9">
+            <a:extLst>
+              <a:ext uri="{FF2B5EF4-FFF2-40B4-BE49-F238E27FC236}">
+                <a16:creationId xmlns:a16="http://schemas.microsoft.com/office/drawing/2014/main" id="{BE95D989-81FA-4BAD-9AD5-E46CEDA91B36}"/>
+              </a:ext>
+              <a:ext uri="{C183D7F6-B498-43B3-948B-1728B52AA6E4}">
+                <adec:decorative xmlns:adec="http://schemas.microsoft.com/office/drawing/2017/decorative" val="1"/>
+              </a:ext>
+            </a:extLst>
+          </p:cNvPr>
+          <p:cNvSpPr>
+            <a:spLocks noGrp="1" noRot="1" noChangeAspect="1" noMove="1" noResize="1" noEditPoints="1" noAdjustHandles="1" noChangeArrowheads="1" noChangeShapeType="1" noTextEdit="1"/>
+          </p:cNvSpPr>
+          <p:nvPr>
+            <p:extLst>
+              <p:ext uri="{386F3935-93C4-4BCD-93E2-E3B085C9AB24}">
+                <p16:designElem xmlns:p16="http://schemas.microsoft.com/office/powerpoint/2015/main" val="1"/>
+              </p:ext>
+            </p:extLst>
+          </p:nvPr>
+        </p:nvSpPr>
+        <p:spPr>
+          <a:xfrm>
+            <a:off x="0" y="0"/>
+            <a:ext cx="4654293" cy="6858000"/>
+          </a:xfrm>
+          <a:prstGeom prst="rect">
+            <a:avLst/>
+          </a:prstGeom>
+          <a:solidFill>
+            <a:srgbClr val="404040"/>
+          </a:solidFill>
+          <a:ln>
+            <a:noFill/>
+          </a:ln>
+        </p:spPr>
+        <p:style>
+          <a:lnRef idx="2">
+            <a:schemeClr val="accent1">
+              <a:shade val="50000"/>
+            </a:schemeClr>
+          </a:lnRef>
+          <a:fillRef idx="1">
+            <a:schemeClr val="accent1"/>
+          </a:fillRef>
+          <a:effectRef idx="0">
+            <a:schemeClr val="accent1"/>
+          </a:effectRef>
+          <a:fontRef idx="minor">
+            <a:schemeClr val="lt1"/>
+          </a:fontRef>
+        </p:style>
+        <p:txBody>
+          <a:bodyPr rtlCol="0" anchor="ctr"/>
+          <a:lstStyle/>
+          <a:p>
+            <a:pPr marL="0" marR="0" lvl="0" indent="0" algn="ctr" defTabSz="914400" rtl="0" eaLnBrk="1" fontAlgn="auto" latinLnBrk="0" hangingPunct="1">
+              <a:lnSpc>
+                <a:spcPct val="100000"/>
+              </a:lnSpc>
+              <a:spcBef>
+                <a:spcPts val="0"/>
+              </a:spcBef>
+              <a:spcAft>
+                <a:spcPts val="0"/>
+              </a:spcAft>
+              <a:buClrTx/>
+              <a:buSzTx/>
+              <a:buFontTx/>
+              <a:buNone/>
+              <a:tabLst/>
+              <a:defRPr/>
+            </a:pPr>
+            <a:endParaRPr kumimoji="0" lang="en-US" sz="1800" b="0" i="0" u="none" strike="noStrike" kern="1200" cap="none" spc="0" normalizeH="0" baseline="0" noProof="0">
+              <a:ln>
+                <a:noFill/>
+              </a:ln>
+              <a:solidFill>
+                <a:prstClr val="white"/>
+              </a:solidFill>
+              <a:effectLst/>
+              <a:uLnTx/>
+              <a:uFillTx/>
+              <a:latin typeface="Calibri" panose="020F0502020204030204"/>
+              <a:ea typeface="+mn-ea"/>
+              <a:cs typeface="+mn-cs"/>
+            </a:endParaRPr>
+          </a:p>
+        </p:txBody>
+      </p:sp>
+      <p:sp>
+        <p:nvSpPr>
+          <p:cNvPr id="2" name="Title 1">
+            <a:extLst>
+              <a:ext uri="{FF2B5EF4-FFF2-40B4-BE49-F238E27FC236}">
+                <a16:creationId xmlns:a16="http://schemas.microsoft.com/office/drawing/2014/main" id="{3A0438D0-6398-4995-826A-26794721E159}"/>
+              </a:ext>
+            </a:extLst>
+          </p:cNvPr>
+          <p:cNvSpPr>
+            <a:spLocks noGrp="1"/>
+          </p:cNvSpPr>
+          <p:nvPr>
+            <p:ph type="title"/>
+          </p:nvPr>
+        </p:nvSpPr>
+        <p:spPr>
+          <a:xfrm>
+            <a:off x="838200" y="811161"/>
+            <a:ext cx="3335594" cy="5403370"/>
+          </a:xfrm>
+        </p:spPr>
+        <p:txBody>
+          <a:bodyPr>
+            <a:normAutofit/>
+          </a:bodyPr>
+          <a:lstStyle/>
+          <a:p>
+            <a:r>
+              <a:rPr lang="en-US">
+                <a:solidFill>
+                  <a:srgbClr val="FFFFFF"/>
+                </a:solidFill>
+              </a:rPr>
+              <a:t>Subjects Not Covered</a:t>
+            </a:r>
+          </a:p>
+        </p:txBody>
+      </p:sp>
+      <p:sp>
+        <p:nvSpPr>
+          <p:cNvPr id="12" name="Rectangle 11">
+            <a:extLst>
+              <a:ext uri="{FF2B5EF4-FFF2-40B4-BE49-F238E27FC236}">
+                <a16:creationId xmlns:a16="http://schemas.microsoft.com/office/drawing/2014/main" id="{156189E5-8A3E-4CFD-B71B-CCD0F8495E56}"/>
+              </a:ext>
+              <a:ext uri="{C183D7F6-B498-43B3-948B-1728B52AA6E4}">
+                <adec:decorative xmlns:adec="http://schemas.microsoft.com/office/drawing/2017/decorative" val="1"/>
+              </a:ext>
+            </a:extLst>
+          </p:cNvPr>
+          <p:cNvSpPr>
+            <a:spLocks noGrp="1" noRot="1" noChangeAspect="1" noMove="1" noResize="1" noEditPoints="1" noAdjustHandles="1" noChangeArrowheads="1" noChangeShapeType="1" noTextEdit="1"/>
+          </p:cNvSpPr>
+          <p:nvPr>
+            <p:extLst>
+              <p:ext uri="{386F3935-93C4-4BCD-93E2-E3B085C9AB24}">
+                <p16:designElem xmlns:p16="http://schemas.microsoft.com/office/powerpoint/2015/main" val="1"/>
+              </p:ext>
+            </p:extLst>
+          </p:nvPr>
+        </p:nvSpPr>
+        <p:spPr>
+          <a:xfrm>
+            <a:off x="4654293" y="0"/>
+            <a:ext cx="142074" cy="6858000"/>
+          </a:xfrm>
+          <a:prstGeom prst="rect">
+            <a:avLst/>
+          </a:prstGeom>
+          <a:solidFill>
+            <a:schemeClr val="tx1">
+              <a:alpha val="20000"/>
+            </a:schemeClr>
+          </a:solidFill>
+          <a:ln>
+            <a:noFill/>
+          </a:ln>
+        </p:spPr>
+        <p:style>
+          <a:lnRef idx="2">
+            <a:schemeClr val="accent1">
+              <a:shade val="50000"/>
+            </a:schemeClr>
+          </a:lnRef>
+          <a:fillRef idx="1">
+            <a:schemeClr val="accent1"/>
+          </a:fillRef>
+          <a:effectRef idx="0">
+            <a:schemeClr val="accent1"/>
+          </a:effectRef>
+          <a:fontRef idx="minor">
+            <a:schemeClr val="lt1"/>
+          </a:fontRef>
+        </p:style>
+        <p:txBody>
+          <a:bodyPr rtlCol="0" anchor="ctr"/>
+          <a:lstStyle/>
+          <a:p>
+            <a:pPr marL="0" marR="0" lvl="0" indent="0" algn="ctr" defTabSz="914400" rtl="0" eaLnBrk="1" fontAlgn="auto" latinLnBrk="0" hangingPunct="1">
+              <a:lnSpc>
+                <a:spcPct val="100000"/>
+              </a:lnSpc>
+              <a:spcBef>
+                <a:spcPts val="0"/>
+              </a:spcBef>
+              <a:spcAft>
+                <a:spcPts val="0"/>
+              </a:spcAft>
+              <a:buClrTx/>
+              <a:buSzTx/>
+              <a:buFontTx/>
+              <a:buNone/>
+              <a:tabLst/>
+              <a:defRPr/>
+            </a:pPr>
+            <a:endParaRPr kumimoji="0" lang="en-US" sz="1800" b="0" i="0" u="none" strike="noStrike" kern="1200" cap="none" spc="0" normalizeH="0" baseline="0" noProof="0">
+              <a:ln>
+                <a:noFill/>
+              </a:ln>
+              <a:solidFill>
+                <a:prstClr val="white"/>
+              </a:solidFill>
+              <a:effectLst/>
+              <a:uLnTx/>
+              <a:uFillTx/>
+              <a:latin typeface="Calibri" panose="020F0502020204030204"/>
+              <a:ea typeface="+mn-ea"/>
+              <a:cs typeface="+mn-cs"/>
+            </a:endParaRPr>
+          </a:p>
+        </p:txBody>
+      </p:sp>
+      <p:graphicFrame>
+        <p:nvGraphicFramePr>
+          <p:cNvPr id="5" name="Content Placeholder 2">
+            <a:extLst>
+              <a:ext uri="{FF2B5EF4-FFF2-40B4-BE49-F238E27FC236}">
+                <a16:creationId xmlns:a16="http://schemas.microsoft.com/office/drawing/2014/main" id="{AABEA196-10CE-4F54-AE65-9E0FE736D749}"/>
+              </a:ext>
+            </a:extLst>
+          </p:cNvPr>
+          <p:cNvGraphicFramePr>
+            <a:graphicFrameLocks noGrp="1"/>
+          </p:cNvGraphicFramePr>
+          <p:nvPr>
+            <p:ph idx="1"/>
+            <p:extLst>
+              <p:ext uri="{D42A27DB-BD31-4B8C-83A1-F6EECF244321}">
+                <p14:modId xmlns:p14="http://schemas.microsoft.com/office/powerpoint/2010/main" val="1398957953"/>
+              </p:ext>
+            </p:extLst>
+          </p:nvPr>
+        </p:nvGraphicFramePr>
+        <p:xfrm>
+          <a:off x="5459413" y="642938"/>
+          <a:ext cx="6089650" cy="5572125"/>
+        </p:xfrm>
+        <a:graphic>
+          <a:graphicData uri="http://schemas.openxmlformats.org/drawingml/2006/diagram">
+            <dgm:relIds xmlns:dgm="http://schemas.openxmlformats.org/drawingml/2006/diagram" xmlns:r="http://schemas.openxmlformats.org/officeDocument/2006/relationships" r:dm="rId2" r:lo="rId3" r:qs="rId4" r:cs="rId5"/>
+          </a:graphicData>
+        </a:graphic>
+      </p:graphicFrame>
+    </p:spTree>
+    <p:extLst>
+      <p:ext uri="{BB962C8B-B14F-4D97-AF65-F5344CB8AC3E}">
+        <p14:creationId xmlns:p14="http://schemas.microsoft.com/office/powerpoint/2010/main" val="1966162379"/>
+      </p:ext>
+    </p:extLst>
+  </p:cSld>
+  <p:clrMapOvr>
+    <a:masterClrMapping/>
+  </p:clrMapOvr>
+</p:sld>
+</file>
+
+<file path=ppt/slides/slide11.xml><?xml version="1.0" encoding="utf-8"?>
+<p:sld xmlns:a="http://schemas.openxmlformats.org/drawingml/2006/main" xmlns:r="http://schemas.openxmlformats.org/officeDocument/2006/relationships" xmlns:p="http://schemas.openxmlformats.org/presentationml/2006/main">
+  <p:cSld>
+    <p:bg>
+      <p:bgPr>
+        <a:solidFill>
           <a:schemeClr val="tx1"/>
         </a:solidFill>
         <a:effectLst/>
@@ -20454,7 +21281,7 @@
 </p:sld>
 </file>
 
-<file path=ppt/slides/slide11.xml><?xml version="1.0" encoding="utf-8"?>
+<file path=ppt/slides/slide12.xml><?xml version="1.0" encoding="utf-8"?>
 <p:sld xmlns:a="http://schemas.openxmlformats.org/drawingml/2006/main" xmlns:r="http://schemas.openxmlformats.org/officeDocument/2006/relationships" xmlns:p="http://schemas.openxmlformats.org/presentationml/2006/main">
   <p:cSld>
     <p:bg>
@@ -20514,6 +21341,25 @@
               <a:rPr lang="en-US" dirty="0"/>
               <a:t>Kurt Kroeker</a:t>
             </a:r>
+            <a:br>
+              <a:rPr lang="en-US" dirty="0"/>
+            </a:br>
+            <a:r>
+              <a:rPr lang="en-US" sz="2200" b="1" dirty="0"/>
+              <a:t>Sr. Software Engineer</a:t>
+            </a:r>
+            <a:br>
+              <a:rPr lang="en-US" sz="2200" b="1" dirty="0"/>
+            </a:br>
+            <a:r>
+              <a:rPr lang="en-US" sz="2200" b="1" dirty="0" err="1"/>
+              <a:t>EnergyCAP</a:t>
+            </a:r>
+            <a:r>
+              <a:rPr lang="en-US" sz="2200" b="1" dirty="0"/>
+              <a:t>, Inc.</a:t>
+            </a:r>
+            <a:endParaRPr lang="en-US" b="1" dirty="0"/>
           </a:p>
         </p:txBody>
       </p:sp>
@@ -20546,29 +21392,15 @@
           <a:lstStyle/>
           <a:p>
             <a:r>
-              <a:rPr lang="en-US" sz="1800" dirty="0"/>
-              <a:t>Sr. Software Engineer at </a:t>
-            </a:r>
-            <a:r>
-              <a:rPr lang="en-US" sz="1800" dirty="0" err="1"/>
-              <a:t>EnergyCAP</a:t>
-            </a:r>
-            <a:r>
-              <a:rPr lang="en-US" sz="1800" dirty="0"/>
-              <a:t>, Inc.</a:t>
-            </a:r>
-          </a:p>
-          <a:p>
-            <a:r>
-              <a:rPr lang="en-US" sz="1800" b="1" dirty="0"/>
+              <a:rPr lang="en-US" sz="2000" b="1" dirty="0"/>
               <a:t>Email</a:t>
             </a:r>
             <a:r>
-              <a:rPr lang="en-US" sz="1800" dirty="0"/>
+              <a:rPr lang="en-US" sz="2000" dirty="0"/>
               <a:t>: </a:t>
             </a:r>
             <a:r>
-              <a:rPr lang="en-US" sz="1800" dirty="0">
+              <a:rPr lang="en-US" sz="2000" dirty="0">
                 <a:hlinkClick r:id="rId2">
                   <a:extLst>
                     <a:ext uri="{A12FA001-AC4F-418D-AE19-62706E023703}">
@@ -20579,22 +21411,22 @@
               </a:rPr>
               <a:t>kurt.kroeker@energycap.com</a:t>
             </a:r>
-            <a:endParaRPr lang="en-US" sz="1800" dirty="0"/>
+            <a:endParaRPr lang="en-US" sz="2000" dirty="0"/>
           </a:p>
           <a:p>
             <a:r>
-              <a:rPr lang="en-US" sz="1800" b="1" dirty="0"/>
+              <a:rPr lang="en-US" sz="2000" b="1" dirty="0"/>
               <a:t>Twitter</a:t>
             </a:r>
             <a:r>
-              <a:rPr lang="en-US" sz="1800" dirty="0"/>
+              <a:rPr lang="en-US" sz="2000" dirty="0"/>
               <a:t>: </a:t>
             </a:r>
             <a:r>
-              <a:rPr lang="en-US" sz="1800" dirty="0" err="1"/>
+              <a:rPr lang="en-US" sz="2000" dirty="0" err="1"/>
               <a:t>KurtKroeker</a:t>
             </a:r>
-            <a:endParaRPr lang="en-US" sz="1800" dirty="0"/>
+            <a:endParaRPr lang="en-US" sz="2000" dirty="0"/>
           </a:p>
         </p:txBody>
       </p:sp>
@@ -20908,6 +21740,441 @@
           <p:cNvPr id="2" name="Title 1">
             <a:extLst>
               <a:ext uri="{FF2B5EF4-FFF2-40B4-BE49-F238E27FC236}">
+                <a16:creationId xmlns:a16="http://schemas.microsoft.com/office/drawing/2014/main" id="{A725DC84-1363-41CC-BEDC-7C6A7D93FC3C}"/>
+              </a:ext>
+            </a:extLst>
+          </p:cNvPr>
+          <p:cNvSpPr>
+            <a:spLocks noGrp="1"/>
+          </p:cNvSpPr>
+          <p:nvPr>
+            <p:ph type="title"/>
+          </p:nvPr>
+        </p:nvSpPr>
+        <p:spPr/>
+        <p:txBody>
+          <a:bodyPr/>
+          <a:lstStyle/>
+          <a:p>
+            <a:endParaRPr lang="en-US" dirty="0"/>
+          </a:p>
+        </p:txBody>
+      </p:sp>
+      <p:pic>
+        <p:nvPicPr>
+          <p:cNvPr id="5" name="Content Placeholder 4" descr="A close up of a tool&#10;&#10;Description automatically generated">
+            <a:extLst>
+              <a:ext uri="{FF2B5EF4-FFF2-40B4-BE49-F238E27FC236}">
+                <a16:creationId xmlns:a16="http://schemas.microsoft.com/office/drawing/2014/main" id="{A72B23C0-1527-47EB-AC9B-9A2871BB501E}"/>
+              </a:ext>
+            </a:extLst>
+          </p:cNvPr>
+          <p:cNvPicPr>
+            <a:picLocks noGrp="1" noChangeAspect="1"/>
+          </p:cNvPicPr>
+          <p:nvPr>
+            <p:ph idx="1"/>
+          </p:nvPr>
+        </p:nvPicPr>
+        <p:blipFill>
+          <a:blip r:embed="rId2">
+            <a:extLst>
+              <a:ext uri="{28A0092B-C50C-407E-A947-70E740481C1C}">
+                <a14:useLocalDpi xmlns:a14="http://schemas.microsoft.com/office/drawing/2010/main" val="0"/>
+              </a:ext>
+              <a:ext uri="{837473B0-CC2E-450A-ABE3-18F120FF3D39}">
+                <a1611:picAttrSrcUrl xmlns:a1611="http://schemas.microsoft.com/office/drawing/2016/11/main" r:id="rId3"/>
+              </a:ext>
+            </a:extLst>
+          </a:blip>
+          <a:stretch>
+            <a:fillRect/>
+          </a:stretch>
+        </p:blipFill>
+        <p:spPr>
+          <a:xfrm>
+            <a:off x="838200" y="1890463"/>
+            <a:ext cx="4891688" cy="2215104"/>
+          </a:xfrm>
+        </p:spPr>
+      </p:pic>
+      <p:sp>
+        <p:nvSpPr>
+          <p:cNvPr id="7" name="&quot;Not Allowed&quot; Symbol 6">
+            <a:extLst>
+              <a:ext uri="{FF2B5EF4-FFF2-40B4-BE49-F238E27FC236}">
+                <a16:creationId xmlns:a16="http://schemas.microsoft.com/office/drawing/2014/main" id="{63163242-8F1C-470B-A1F1-5AAA5C92D075}"/>
+              </a:ext>
+            </a:extLst>
+          </p:cNvPr>
+          <p:cNvSpPr/>
+          <p:nvPr/>
+        </p:nvSpPr>
+        <p:spPr>
+          <a:xfrm>
+            <a:off x="2155971" y="2030136"/>
+            <a:ext cx="2340528" cy="2275206"/>
+          </a:xfrm>
+          <a:prstGeom prst="noSmoking">
+            <a:avLst/>
+          </a:prstGeom>
+          <a:solidFill>
+            <a:srgbClr val="FF0000"/>
+          </a:solidFill>
+          <a:ln>
+            <a:solidFill>
+              <a:schemeClr val="tx1"/>
+            </a:solidFill>
+          </a:ln>
+        </p:spPr>
+        <p:style>
+          <a:lnRef idx="2">
+            <a:schemeClr val="accent1">
+              <a:shade val="50000"/>
+            </a:schemeClr>
+          </a:lnRef>
+          <a:fillRef idx="1">
+            <a:schemeClr val="accent1"/>
+          </a:fillRef>
+          <a:effectRef idx="0">
+            <a:schemeClr val="accent1"/>
+          </a:effectRef>
+          <a:fontRef idx="minor">
+            <a:schemeClr val="lt1"/>
+          </a:fontRef>
+        </p:style>
+        <p:txBody>
+          <a:bodyPr rtlCol="0" anchor="ctr"/>
+          <a:lstStyle/>
+          <a:p>
+            <a:pPr algn="ctr"/>
+            <a:endParaRPr lang="en-US">
+              <a:solidFill>
+                <a:schemeClr val="tx1"/>
+              </a:solidFill>
+            </a:endParaRPr>
+          </a:p>
+        </p:txBody>
+      </p:sp>
+      <p:pic>
+        <p:nvPicPr>
+          <p:cNvPr id="9" name="Picture 8" descr="A close up of a knife&#10;&#10;Description automatically generated">
+            <a:extLst>
+              <a:ext uri="{FF2B5EF4-FFF2-40B4-BE49-F238E27FC236}">
+                <a16:creationId xmlns:a16="http://schemas.microsoft.com/office/drawing/2014/main" id="{03E77564-DBE5-46AD-9EE2-DE26968998D7}"/>
+              </a:ext>
+            </a:extLst>
+          </p:cNvPr>
+          <p:cNvPicPr>
+            <a:picLocks noChangeAspect="1"/>
+          </p:cNvPicPr>
+          <p:nvPr/>
+        </p:nvPicPr>
+        <p:blipFill>
+          <a:blip r:embed="rId4">
+            <a:extLst>
+              <a:ext uri="{28A0092B-C50C-407E-A947-70E740481C1C}">
+                <a14:useLocalDpi xmlns:a14="http://schemas.microsoft.com/office/drawing/2010/main" val="0"/>
+              </a:ext>
+              <a:ext uri="{837473B0-CC2E-450A-ABE3-18F120FF3D39}">
+                <a1611:picAttrSrcUrl xmlns:a1611="http://schemas.microsoft.com/office/drawing/2016/11/main" r:id="rId5"/>
+              </a:ext>
+            </a:extLst>
+          </a:blip>
+          <a:stretch>
+            <a:fillRect/>
+          </a:stretch>
+        </p:blipFill>
+        <p:spPr>
+          <a:xfrm>
+            <a:off x="6096000" y="2733869"/>
+            <a:ext cx="5074914" cy="2930763"/>
+          </a:xfrm>
+          <a:prstGeom prst="rect">
+            <a:avLst/>
+          </a:prstGeom>
+        </p:spPr>
+      </p:pic>
+    </p:spTree>
+    <p:extLst>
+      <p:ext uri="{BB962C8B-B14F-4D97-AF65-F5344CB8AC3E}">
+        <p14:creationId xmlns:p14="http://schemas.microsoft.com/office/powerpoint/2010/main" val="4256218446"/>
+      </p:ext>
+    </p:extLst>
+  </p:cSld>
+  <p:clrMapOvr>
+    <a:masterClrMapping/>
+  </p:clrMapOvr>
+  <p:timing>
+    <p:tnLst>
+      <p:par>
+        <p:cTn id="1" dur="indefinite" restart="never" nodeType="tmRoot">
+          <p:childTnLst>
+            <p:seq concurrent="1" nextAc="seek">
+              <p:cTn id="2" dur="indefinite" nodeType="mainSeq">
+                <p:childTnLst>
+                  <p:par>
+                    <p:cTn id="3" fill="hold">
+                      <p:stCondLst>
+                        <p:cond delay="indefinite"/>
+                      </p:stCondLst>
+                      <p:childTnLst>
+                        <p:par>
+                          <p:cTn id="4" fill="hold">
+                            <p:stCondLst>
+                              <p:cond delay="0"/>
+                            </p:stCondLst>
+                            <p:childTnLst>
+                              <p:par>
+                                <p:cTn id="5" presetID="1" presetClass="entr" presetSubtype="0" fill="hold" nodeType="clickEffect">
+                                  <p:stCondLst>
+                                    <p:cond delay="0"/>
+                                  </p:stCondLst>
+                                  <p:childTnLst>
+                                    <p:set>
+                                      <p:cBhvr>
+                                        <p:cTn id="6" dur="1" fill="hold">
+                                          <p:stCondLst>
+                                            <p:cond delay="0"/>
+                                          </p:stCondLst>
+                                        </p:cTn>
+                                        <p:tgtEl>
+                                          <p:spTgt spid="5"/>
+                                        </p:tgtEl>
+                                        <p:attrNameLst>
+                                          <p:attrName>style.visibility</p:attrName>
+                                        </p:attrNameLst>
+                                      </p:cBhvr>
+                                      <p:to>
+                                        <p:strVal val="visible"/>
+                                      </p:to>
+                                    </p:set>
+                                  </p:childTnLst>
+                                </p:cTn>
+                              </p:par>
+                            </p:childTnLst>
+                          </p:cTn>
+                        </p:par>
+                      </p:childTnLst>
+                    </p:cTn>
+                  </p:par>
+                  <p:par>
+                    <p:cTn id="7" fill="hold">
+                      <p:stCondLst>
+                        <p:cond delay="indefinite"/>
+                      </p:stCondLst>
+                      <p:childTnLst>
+                        <p:par>
+                          <p:cTn id="8" fill="hold">
+                            <p:stCondLst>
+                              <p:cond delay="0"/>
+                            </p:stCondLst>
+                            <p:childTnLst>
+                              <p:par>
+                                <p:cTn id="9" presetID="1" presetClass="entr" presetSubtype="0" fill="hold" grpId="0" nodeType="clickEffect">
+                                  <p:stCondLst>
+                                    <p:cond delay="0"/>
+                                  </p:stCondLst>
+                                  <p:childTnLst>
+                                    <p:set>
+                                      <p:cBhvr>
+                                        <p:cTn id="10" dur="1" fill="hold">
+                                          <p:stCondLst>
+                                            <p:cond delay="0"/>
+                                          </p:stCondLst>
+                                        </p:cTn>
+                                        <p:tgtEl>
+                                          <p:spTgt spid="7"/>
+                                        </p:tgtEl>
+                                        <p:attrNameLst>
+                                          <p:attrName>style.visibility</p:attrName>
+                                        </p:attrNameLst>
+                                      </p:cBhvr>
+                                      <p:to>
+                                        <p:strVal val="visible"/>
+                                      </p:to>
+                                    </p:set>
+                                  </p:childTnLst>
+                                </p:cTn>
+                              </p:par>
+                            </p:childTnLst>
+                          </p:cTn>
+                        </p:par>
+                      </p:childTnLst>
+                    </p:cTn>
+                  </p:par>
+                  <p:par>
+                    <p:cTn id="11" fill="hold">
+                      <p:stCondLst>
+                        <p:cond delay="indefinite"/>
+                      </p:stCondLst>
+                      <p:childTnLst>
+                        <p:par>
+                          <p:cTn id="12" fill="hold">
+                            <p:stCondLst>
+                              <p:cond delay="0"/>
+                            </p:stCondLst>
+                            <p:childTnLst>
+                              <p:par>
+                                <p:cTn id="13" presetID="31" presetClass="entr" presetSubtype="0" fill="hold" nodeType="clickEffect">
+                                  <p:stCondLst>
+                                    <p:cond delay="0"/>
+                                  </p:stCondLst>
+                                  <p:childTnLst>
+                                    <p:set>
+                                      <p:cBhvr>
+                                        <p:cTn id="14" dur="1" fill="hold">
+                                          <p:stCondLst>
+                                            <p:cond delay="0"/>
+                                          </p:stCondLst>
+                                        </p:cTn>
+                                        <p:tgtEl>
+                                          <p:spTgt spid="9"/>
+                                        </p:tgtEl>
+                                        <p:attrNameLst>
+                                          <p:attrName>style.visibility</p:attrName>
+                                        </p:attrNameLst>
+                                      </p:cBhvr>
+                                      <p:to>
+                                        <p:strVal val="visible"/>
+                                      </p:to>
+                                    </p:set>
+                                    <p:anim calcmode="lin" valueType="num">
+                                      <p:cBhvr>
+                                        <p:cTn id="15" dur="1000" fill="hold"/>
+                                        <p:tgtEl>
+                                          <p:spTgt spid="9"/>
+                                        </p:tgtEl>
+                                        <p:attrNameLst>
+                                          <p:attrName>ppt_w</p:attrName>
+                                        </p:attrNameLst>
+                                      </p:cBhvr>
+                                      <p:tavLst>
+                                        <p:tav tm="0">
+                                          <p:val>
+                                            <p:fltVal val="0"/>
+                                          </p:val>
+                                        </p:tav>
+                                        <p:tav tm="100000">
+                                          <p:val>
+                                            <p:strVal val="#ppt_w"/>
+                                          </p:val>
+                                        </p:tav>
+                                      </p:tavLst>
+                                    </p:anim>
+                                    <p:anim calcmode="lin" valueType="num">
+                                      <p:cBhvr>
+                                        <p:cTn id="16" dur="1000" fill="hold"/>
+                                        <p:tgtEl>
+                                          <p:spTgt spid="9"/>
+                                        </p:tgtEl>
+                                        <p:attrNameLst>
+                                          <p:attrName>ppt_h</p:attrName>
+                                        </p:attrNameLst>
+                                      </p:cBhvr>
+                                      <p:tavLst>
+                                        <p:tav tm="0">
+                                          <p:val>
+                                            <p:fltVal val="0"/>
+                                          </p:val>
+                                        </p:tav>
+                                        <p:tav tm="100000">
+                                          <p:val>
+                                            <p:strVal val="#ppt_h"/>
+                                          </p:val>
+                                        </p:tav>
+                                      </p:tavLst>
+                                    </p:anim>
+                                    <p:anim calcmode="lin" valueType="num">
+                                      <p:cBhvr>
+                                        <p:cTn id="17" dur="1000" fill="hold"/>
+                                        <p:tgtEl>
+                                          <p:spTgt spid="9"/>
+                                        </p:tgtEl>
+                                        <p:attrNameLst>
+                                          <p:attrName>style.rotation</p:attrName>
+                                        </p:attrNameLst>
+                                      </p:cBhvr>
+                                      <p:tavLst>
+                                        <p:tav tm="0">
+                                          <p:val>
+                                            <p:fltVal val="90"/>
+                                          </p:val>
+                                        </p:tav>
+                                        <p:tav tm="100000">
+                                          <p:val>
+                                            <p:fltVal val="0"/>
+                                          </p:val>
+                                        </p:tav>
+                                      </p:tavLst>
+                                    </p:anim>
+                                    <p:animEffect transition="in" filter="fade">
+                                      <p:cBhvr>
+                                        <p:cTn id="18" dur="1000"/>
+                                        <p:tgtEl>
+                                          <p:spTgt spid="9"/>
+                                        </p:tgtEl>
+                                      </p:cBhvr>
+                                    </p:animEffect>
+                                  </p:childTnLst>
+                                </p:cTn>
+                              </p:par>
+                            </p:childTnLst>
+                          </p:cTn>
+                        </p:par>
+                      </p:childTnLst>
+                    </p:cTn>
+                  </p:par>
+                </p:childTnLst>
+              </p:cTn>
+              <p:prevCondLst>
+                <p:cond evt="onPrev" delay="0">
+                  <p:tgtEl>
+                    <p:sldTgt/>
+                  </p:tgtEl>
+                </p:cond>
+              </p:prevCondLst>
+              <p:nextCondLst>
+                <p:cond evt="onNext" delay="0">
+                  <p:tgtEl>
+                    <p:sldTgt/>
+                  </p:tgtEl>
+                </p:cond>
+              </p:nextCondLst>
+            </p:seq>
+          </p:childTnLst>
+        </p:cTn>
+      </p:par>
+    </p:tnLst>
+    <p:bldLst>
+      <p:bldP spid="7" grpId="0" animBg="1"/>
+    </p:bldLst>
+  </p:timing>
+</p:sld>
+</file>
+
+<file path=ppt/slides/slide3.xml><?xml version="1.0" encoding="utf-8"?>
+<p:sld xmlns:a="http://schemas.openxmlformats.org/drawingml/2006/main" xmlns:r="http://schemas.openxmlformats.org/officeDocument/2006/relationships" xmlns:p="http://schemas.openxmlformats.org/presentationml/2006/main">
+  <p:cSld>
+    <p:spTree>
+      <p:nvGrpSpPr>
+        <p:cNvPr id="1" name=""/>
+        <p:cNvGrpSpPr/>
+        <p:nvPr/>
+      </p:nvGrpSpPr>
+      <p:grpSpPr>
+        <a:xfrm>
+          <a:off x="0" y="0"/>
+          <a:ext cx="0" cy="0"/>
+          <a:chOff x="0" y="0"/>
+          <a:chExt cx="0" cy="0"/>
+        </a:xfrm>
+      </p:grpSpPr>
+      <p:sp>
+        <p:nvSpPr>
+          <p:cNvPr id="2" name="Title 1">
+            <a:extLst>
+              <a:ext uri="{FF2B5EF4-FFF2-40B4-BE49-F238E27FC236}">
                 <a16:creationId xmlns:a16="http://schemas.microsoft.com/office/drawing/2014/main" id="{9C508605-BAA8-4CA8-BF92-D1F848459679}"/>
               </a:ext>
             </a:extLst>
@@ -21007,7 +22274,7 @@
         </p:blipFill>
         <p:spPr bwMode="auto">
           <a:xfrm>
-            <a:off x="7565589" y="2366358"/>
+            <a:off x="7632701" y="2366358"/>
             <a:ext cx="1962150" cy="476250"/>
           </a:xfrm>
           <a:prstGeom prst="rect">
@@ -22935,7 +24202,7 @@
 </p:sld>
 </file>
 
-<file path=ppt/slides/slide3.xml><?xml version="1.0" encoding="utf-8"?>
+<file path=ppt/slides/slide4.xml><?xml version="1.0" encoding="utf-8"?>
 <p:sld xmlns:a="http://schemas.openxmlformats.org/drawingml/2006/main" xmlns:r="http://schemas.openxmlformats.org/officeDocument/2006/relationships" xmlns:p="http://schemas.openxmlformats.org/presentationml/2006/main">
   <p:cSld>
     <p:bg>
@@ -23275,7 +24542,7 @@
           <a:lstStyle/>
           <a:p>
             <a:r>
-              <a:rPr lang="en-US"/>
+              <a:rPr lang="en-US" dirty="0"/>
               <a:t>Why should I care about PowerShell?</a:t>
             </a:r>
           </a:p>
@@ -23372,7 +24639,7 @@
 </p:sld>
 </file>
 
-<file path=ppt/slides/slide4.xml><?xml version="1.0" encoding="utf-8"?>
+<file path=ppt/slides/slide5.xml><?xml version="1.0" encoding="utf-8"?>
 <p:sld xmlns:a="http://schemas.openxmlformats.org/drawingml/2006/main" xmlns:r="http://schemas.openxmlformats.org/officeDocument/2006/relationships" xmlns:p="http://schemas.openxmlformats.org/presentationml/2006/main">
   <p:cSld>
     <p:bg>
@@ -23612,7 +24879,7 @@
 </p:sld>
 </file>
 
-<file path=ppt/slides/slide5.xml><?xml version="1.0" encoding="utf-8"?>
+<file path=ppt/slides/slide6.xml><?xml version="1.0" encoding="utf-8"?>
 <p:sld xmlns:a="http://schemas.openxmlformats.org/drawingml/2006/main" xmlns:r="http://schemas.openxmlformats.org/officeDocument/2006/relationships" xmlns:p="http://schemas.openxmlformats.org/presentationml/2006/main">
   <p:cSld>
     <p:bg>
@@ -23761,7 +25028,7 @@
           <a:p>
             <a:r>
               <a:rPr lang="en-US" sz="1800" dirty="0"/>
-              <a:t>Command Prompt</a:t>
+              <a:t>Command Prompt (cmd.exe)</a:t>
             </a:r>
           </a:p>
           <a:p>
@@ -24409,7 +25676,7 @@
 </p:sld>
 </file>
 
-<file path=ppt/slides/slide6.xml><?xml version="1.0" encoding="utf-8"?>
+<file path=ppt/slides/slide7.xml><?xml version="1.0" encoding="utf-8"?>
 <p:sld xmlns:a="http://schemas.openxmlformats.org/drawingml/2006/main" xmlns:r="http://schemas.openxmlformats.org/officeDocument/2006/relationships" xmlns:p="http://schemas.openxmlformats.org/presentationml/2006/main">
   <p:cSld>
     <p:spTree>
@@ -24990,7 +26257,7 @@
 </p:sld>
 </file>
 
-<file path=ppt/slides/slide7.xml><?xml version="1.0" encoding="utf-8"?>
+<file path=ppt/slides/slide8.xml><?xml version="1.0" encoding="utf-8"?>
 <p:sld xmlns:a="http://schemas.openxmlformats.org/drawingml/2006/main" xmlns:r="http://schemas.openxmlformats.org/officeDocument/2006/relationships" xmlns:p="http://schemas.openxmlformats.org/presentationml/2006/main">
   <p:cSld>
     <p:bg>
@@ -25284,7 +26551,7 @@
 </p:sld>
 </file>
 
-<file path=ppt/slides/slide8.xml><?xml version="1.0" encoding="utf-8"?>
+<file path=ppt/slides/slide9.xml><?xml version="1.0" encoding="utf-8"?>
 <p:sld xmlns:a="http://schemas.openxmlformats.org/drawingml/2006/main" xmlns:r="http://schemas.openxmlformats.org/officeDocument/2006/relationships" xmlns:p="http://schemas.openxmlformats.org/presentationml/2006/main">
   <p:cSld>
     <p:bg>
@@ -25569,300 +26836,6 @@
     <p:extLst>
       <p:ext uri="{BB962C8B-B14F-4D97-AF65-F5344CB8AC3E}">
         <p14:creationId xmlns:p14="http://schemas.microsoft.com/office/powerpoint/2010/main" val="2085944588"/>
-      </p:ext>
-    </p:extLst>
-  </p:cSld>
-  <p:clrMapOvr>
-    <a:masterClrMapping/>
-  </p:clrMapOvr>
-</p:sld>
-</file>
-
-<file path=ppt/slides/slide9.xml><?xml version="1.0" encoding="utf-8"?>
-<p:sld xmlns:a="http://schemas.openxmlformats.org/drawingml/2006/main" xmlns:r="http://schemas.openxmlformats.org/officeDocument/2006/relationships" xmlns:p="http://schemas.openxmlformats.org/presentationml/2006/main">
-  <p:cSld>
-    <p:bg>
-      <p:bgPr>
-        <a:solidFill>
-          <a:schemeClr val="bg1"/>
-        </a:solidFill>
-        <a:effectLst/>
-      </p:bgPr>
-    </p:bg>
-    <p:spTree>
-      <p:nvGrpSpPr>
-        <p:cNvPr id="1" name=""/>
-        <p:cNvGrpSpPr/>
-        <p:nvPr/>
-      </p:nvGrpSpPr>
-      <p:grpSpPr>
-        <a:xfrm>
-          <a:off x="0" y="0"/>
-          <a:ext cx="0" cy="0"/>
-          <a:chOff x="0" y="0"/>
-          <a:chExt cx="0" cy="0"/>
-        </a:xfrm>
-      </p:grpSpPr>
-      <p:sp>
-        <p:nvSpPr>
-          <p:cNvPr id="10" name="Rectangle 9">
-            <a:extLst>
-              <a:ext uri="{FF2B5EF4-FFF2-40B4-BE49-F238E27FC236}">
-                <a16:creationId xmlns:a16="http://schemas.microsoft.com/office/drawing/2014/main" id="{BE95D989-81FA-4BAD-9AD5-E46CEDA91B36}"/>
-              </a:ext>
-              <a:ext uri="{C183D7F6-B498-43B3-948B-1728B52AA6E4}">
-                <adec:decorative xmlns:adec="http://schemas.microsoft.com/office/drawing/2017/decorative" val="1"/>
-              </a:ext>
-            </a:extLst>
-          </p:cNvPr>
-          <p:cNvSpPr>
-            <a:spLocks noGrp="1" noRot="1" noChangeAspect="1" noMove="1" noResize="1" noEditPoints="1" noAdjustHandles="1" noChangeArrowheads="1" noChangeShapeType="1" noTextEdit="1"/>
-          </p:cNvSpPr>
-          <p:nvPr>
-            <p:extLst>
-              <p:ext uri="{386F3935-93C4-4BCD-93E2-E3B085C9AB24}">
-                <p16:designElem xmlns:p16="http://schemas.microsoft.com/office/powerpoint/2015/main" val="1"/>
-              </p:ext>
-            </p:extLst>
-          </p:nvPr>
-        </p:nvSpPr>
-        <p:spPr>
-          <a:xfrm>
-            <a:off x="0" y="0"/>
-            <a:ext cx="4654293" cy="6858000"/>
-          </a:xfrm>
-          <a:prstGeom prst="rect">
-            <a:avLst/>
-          </a:prstGeom>
-          <a:solidFill>
-            <a:srgbClr val="404040"/>
-          </a:solidFill>
-          <a:ln>
-            <a:noFill/>
-          </a:ln>
-        </p:spPr>
-        <p:style>
-          <a:lnRef idx="2">
-            <a:schemeClr val="accent1">
-              <a:shade val="50000"/>
-            </a:schemeClr>
-          </a:lnRef>
-          <a:fillRef idx="1">
-            <a:schemeClr val="accent1"/>
-          </a:fillRef>
-          <a:effectRef idx="0">
-            <a:schemeClr val="accent1"/>
-          </a:effectRef>
-          <a:fontRef idx="minor">
-            <a:schemeClr val="lt1"/>
-          </a:fontRef>
-        </p:style>
-        <p:txBody>
-          <a:bodyPr rtlCol="0" anchor="ctr"/>
-          <a:lstStyle/>
-          <a:p>
-            <a:pPr marL="0" marR="0" lvl="0" indent="0" algn="ctr" defTabSz="914400" rtl="0" eaLnBrk="1" fontAlgn="auto" latinLnBrk="0" hangingPunct="1">
-              <a:lnSpc>
-                <a:spcPct val="100000"/>
-              </a:lnSpc>
-              <a:spcBef>
-                <a:spcPts val="0"/>
-              </a:spcBef>
-              <a:spcAft>
-                <a:spcPts val="0"/>
-              </a:spcAft>
-              <a:buClrTx/>
-              <a:buSzTx/>
-              <a:buFontTx/>
-              <a:buNone/>
-              <a:tabLst/>
-              <a:defRPr/>
-            </a:pPr>
-            <a:endParaRPr kumimoji="0" lang="en-US" sz="1800" b="0" i="0" u="none" strike="noStrike" kern="1200" cap="none" spc="0" normalizeH="0" baseline="0" noProof="0">
-              <a:ln>
-                <a:noFill/>
-              </a:ln>
-              <a:solidFill>
-                <a:prstClr val="white"/>
-              </a:solidFill>
-              <a:effectLst/>
-              <a:uLnTx/>
-              <a:uFillTx/>
-              <a:latin typeface="Calibri" panose="020F0502020204030204"/>
-              <a:ea typeface="+mn-ea"/>
-              <a:cs typeface="+mn-cs"/>
-            </a:endParaRPr>
-          </a:p>
-        </p:txBody>
-      </p:sp>
-      <p:sp>
-        <p:nvSpPr>
-          <p:cNvPr id="2" name="Title 1">
-            <a:extLst>
-              <a:ext uri="{FF2B5EF4-FFF2-40B4-BE49-F238E27FC236}">
-                <a16:creationId xmlns:a16="http://schemas.microsoft.com/office/drawing/2014/main" id="{3A0438D0-6398-4995-826A-26794721E159}"/>
-              </a:ext>
-            </a:extLst>
-          </p:cNvPr>
-          <p:cNvSpPr>
-            <a:spLocks noGrp="1"/>
-          </p:cNvSpPr>
-          <p:nvPr>
-            <p:ph type="title"/>
-          </p:nvPr>
-        </p:nvSpPr>
-        <p:spPr>
-          <a:xfrm>
-            <a:off x="838200" y="811161"/>
-            <a:ext cx="3335594" cy="5403370"/>
-          </a:xfrm>
-        </p:spPr>
-        <p:txBody>
-          <a:bodyPr>
-            <a:normAutofit/>
-          </a:bodyPr>
-          <a:lstStyle/>
-          <a:p>
-            <a:r>
-              <a:rPr lang="en-US">
-                <a:solidFill>
-                  <a:srgbClr val="FFFFFF"/>
-                </a:solidFill>
-              </a:rPr>
-              <a:t>Subjects Not Covered</a:t>
-            </a:r>
-          </a:p>
-        </p:txBody>
-      </p:sp>
-      <p:sp>
-        <p:nvSpPr>
-          <p:cNvPr id="12" name="Rectangle 11">
-            <a:extLst>
-              <a:ext uri="{FF2B5EF4-FFF2-40B4-BE49-F238E27FC236}">
-                <a16:creationId xmlns:a16="http://schemas.microsoft.com/office/drawing/2014/main" id="{156189E5-8A3E-4CFD-B71B-CCD0F8495E56}"/>
-              </a:ext>
-              <a:ext uri="{C183D7F6-B498-43B3-948B-1728B52AA6E4}">
-                <adec:decorative xmlns:adec="http://schemas.microsoft.com/office/drawing/2017/decorative" val="1"/>
-              </a:ext>
-            </a:extLst>
-          </p:cNvPr>
-          <p:cNvSpPr>
-            <a:spLocks noGrp="1" noRot="1" noChangeAspect="1" noMove="1" noResize="1" noEditPoints="1" noAdjustHandles="1" noChangeArrowheads="1" noChangeShapeType="1" noTextEdit="1"/>
-          </p:cNvSpPr>
-          <p:nvPr>
-            <p:extLst>
-              <p:ext uri="{386F3935-93C4-4BCD-93E2-E3B085C9AB24}">
-                <p16:designElem xmlns:p16="http://schemas.microsoft.com/office/powerpoint/2015/main" val="1"/>
-              </p:ext>
-            </p:extLst>
-          </p:nvPr>
-        </p:nvSpPr>
-        <p:spPr>
-          <a:xfrm>
-            <a:off x="4654293" y="0"/>
-            <a:ext cx="142074" cy="6858000"/>
-          </a:xfrm>
-          <a:prstGeom prst="rect">
-            <a:avLst/>
-          </a:prstGeom>
-          <a:solidFill>
-            <a:schemeClr val="tx1">
-              <a:alpha val="20000"/>
-            </a:schemeClr>
-          </a:solidFill>
-          <a:ln>
-            <a:noFill/>
-          </a:ln>
-        </p:spPr>
-        <p:style>
-          <a:lnRef idx="2">
-            <a:schemeClr val="accent1">
-              <a:shade val="50000"/>
-            </a:schemeClr>
-          </a:lnRef>
-          <a:fillRef idx="1">
-            <a:schemeClr val="accent1"/>
-          </a:fillRef>
-          <a:effectRef idx="0">
-            <a:schemeClr val="accent1"/>
-          </a:effectRef>
-          <a:fontRef idx="minor">
-            <a:schemeClr val="lt1"/>
-          </a:fontRef>
-        </p:style>
-        <p:txBody>
-          <a:bodyPr rtlCol="0" anchor="ctr"/>
-          <a:lstStyle/>
-          <a:p>
-            <a:pPr marL="0" marR="0" lvl="0" indent="0" algn="ctr" defTabSz="914400" rtl="0" eaLnBrk="1" fontAlgn="auto" latinLnBrk="0" hangingPunct="1">
-              <a:lnSpc>
-                <a:spcPct val="100000"/>
-              </a:lnSpc>
-              <a:spcBef>
-                <a:spcPts val="0"/>
-              </a:spcBef>
-              <a:spcAft>
-                <a:spcPts val="0"/>
-              </a:spcAft>
-              <a:buClrTx/>
-              <a:buSzTx/>
-              <a:buFontTx/>
-              <a:buNone/>
-              <a:tabLst/>
-              <a:defRPr/>
-            </a:pPr>
-            <a:endParaRPr kumimoji="0" lang="en-US" sz="1800" b="0" i="0" u="none" strike="noStrike" kern="1200" cap="none" spc="0" normalizeH="0" baseline="0" noProof="0">
-              <a:ln>
-                <a:noFill/>
-              </a:ln>
-              <a:solidFill>
-                <a:prstClr val="white"/>
-              </a:solidFill>
-              <a:effectLst/>
-              <a:uLnTx/>
-              <a:uFillTx/>
-              <a:latin typeface="Calibri" panose="020F0502020204030204"/>
-              <a:ea typeface="+mn-ea"/>
-              <a:cs typeface="+mn-cs"/>
-            </a:endParaRPr>
-          </a:p>
-        </p:txBody>
-      </p:sp>
-      <p:graphicFrame>
-        <p:nvGraphicFramePr>
-          <p:cNvPr id="5" name="Content Placeholder 2">
-            <a:extLst>
-              <a:ext uri="{FF2B5EF4-FFF2-40B4-BE49-F238E27FC236}">
-                <a16:creationId xmlns:a16="http://schemas.microsoft.com/office/drawing/2014/main" id="{AABEA196-10CE-4F54-AE65-9E0FE736D749}"/>
-              </a:ext>
-            </a:extLst>
-          </p:cNvPr>
-          <p:cNvGraphicFramePr>
-            <a:graphicFrameLocks noGrp="1"/>
-          </p:cNvGraphicFramePr>
-          <p:nvPr>
-            <p:ph idx="1"/>
-            <p:extLst>
-              <p:ext uri="{D42A27DB-BD31-4B8C-83A1-F6EECF244321}">
-                <p14:modId xmlns:p14="http://schemas.microsoft.com/office/powerpoint/2010/main" val="2802826598"/>
-              </p:ext>
-            </p:extLst>
-          </p:nvPr>
-        </p:nvGraphicFramePr>
-        <p:xfrm>
-          <a:off x="5459413" y="642938"/>
-          <a:ext cx="6089650" cy="5572125"/>
-        </p:xfrm>
-        <a:graphic>
-          <a:graphicData uri="http://schemas.openxmlformats.org/drawingml/2006/diagram">
-            <dgm:relIds xmlns:dgm="http://schemas.openxmlformats.org/drawingml/2006/diagram" xmlns:r="http://schemas.openxmlformats.org/officeDocument/2006/relationships" r:dm="rId2" r:lo="rId3" r:qs="rId4" r:cs="rId5"/>
-          </a:graphicData>
-        </a:graphic>
-      </p:graphicFrame>
-    </p:spTree>
-    <p:extLst>
-      <p:ext uri="{BB962C8B-B14F-4D97-AF65-F5344CB8AC3E}">
-        <p14:creationId xmlns:p14="http://schemas.microsoft.com/office/powerpoint/2010/main" val="1966162379"/>
       </p:ext>
     </p:extLst>
   </p:cSld>
